--- a/meeting/利用调度解决Serverless的IO时延问题.pptx
+++ b/meeting/利用调度解决Serverless的IO时延问题.pptx
@@ -26,11 +26,12 @@
     <p:sldId id="573" r:id="rId19"/>
     <p:sldId id="571" r:id="rId20"/>
     <p:sldId id="559" r:id="rId21"/>
-    <p:sldId id="544" r:id="rId22"/>
-    <p:sldId id="575" r:id="rId23"/>
-    <p:sldId id="546" r:id="rId24"/>
-    <p:sldId id="574" r:id="rId25"/>
-    <p:sldId id="464" r:id="rId26"/>
+    <p:sldId id="583" r:id="rId22"/>
+    <p:sldId id="544" r:id="rId23"/>
+    <p:sldId id="575" r:id="rId24"/>
+    <p:sldId id="546" r:id="rId25"/>
+    <p:sldId id="574" r:id="rId26"/>
+    <p:sldId id="464" r:id="rId27"/>
   </p:sldIdLst>
   <p:sldSz cx="12192000" cy="6858000"/>
   <p:notesSz cx="6858000" cy="9144000"/>
@@ -1464,7 +1465,47 @@
         <p:txBody>
           <a:bodyPr/>
           <a:p>
-            <a:endParaRPr lang="zh-CN" altLang="en-US"/>
+            <a:r>
+              <a:rPr lang="zh-CN" altLang="en-US"/>
+              <a:t>接下来再来看悟空的存储管理，如下图所示，对于一个</a:t>
+            </a:r>
+            <a:r>
+              <a:rPr lang="en-US" altLang="zh-CN"/>
+              <a:t>executor</a:t>
+            </a:r>
+            <a:r>
+              <a:rPr lang="zh-CN" altLang="en-US"/>
+              <a:t>内的任务中间数据由</a:t>
+            </a:r>
+            <a:r>
+              <a:rPr lang="en-US" altLang="zh-CN"/>
+              <a:t>executor</a:t>
+            </a:r>
+            <a:r>
+              <a:rPr lang="zh-CN" altLang="en-US"/>
+              <a:t>的本地存储缓存；对于跨</a:t>
+            </a:r>
+            <a:r>
+              <a:rPr lang="en-US" altLang="zh-CN"/>
+              <a:t>executor</a:t>
+            </a:r>
+            <a:r>
+              <a:rPr lang="zh-CN" altLang="en-US"/>
+              <a:t>的中间数据传输由外部的</a:t>
+            </a:r>
+            <a:r>
+              <a:rPr lang="en-US" altLang="zh-CN"/>
+              <a:t>kv</a:t>
+            </a:r>
+            <a:r>
+              <a:rPr lang="zh-CN" altLang="en-US"/>
+              <a:t>数据库完成</a:t>
+            </a:r>
+            <a:r>
+              <a:rPr lang="en-US" altLang="zh-CN"/>
+              <a:t>S</a:t>
+            </a:r>
+            <a:endParaRPr lang="en-US" altLang="zh-CN"/>
           </a:p>
         </p:txBody>
       </p:sp>
@@ -1508,6 +1549,41 @@
         <p:txBody>
           <a:bodyPr/>
           <a:p>
+            <a:r>
+              <a:rPr lang="en-US" altLang="zh-CN"/>
+              <a:t>* </a:t>
+            </a:r>
+            <a:r>
+              <a:rPr lang="zh-CN" altLang="en-US"/>
+              <a:t>对于有大量扇出的任务，调度不能很好的减少数据移动，因为一个</a:t>
+            </a:r>
+            <a:r>
+              <a:rPr lang="en-US" altLang="zh-CN"/>
+              <a:t>task</a:t>
+            </a:r>
+            <a:r>
+              <a:rPr lang="zh-CN" altLang="en-US"/>
+              <a:t>的数据被多个任务</a:t>
+            </a:r>
+            <a:r>
+              <a:rPr lang="zh-CN" altLang="en-US"/>
+              <a:t>需要</a:t>
+            </a:r>
+            <a:endParaRPr lang="zh-CN" altLang="en-US"/>
+          </a:p>
+          <a:p>
+            <a:r>
+              <a:rPr lang="en-US" altLang="zh-CN"/>
+              <a:t>* </a:t>
+            </a:r>
+            <a:r>
+              <a:rPr lang="zh-CN" altLang="en-US"/>
+              <a:t>能不能简化任务之间的数据依赖，从而为调度创造</a:t>
+            </a:r>
+            <a:r>
+              <a:rPr lang="zh-CN" altLang="en-US"/>
+              <a:t>机会</a:t>
+            </a:r>
             <a:endParaRPr lang="zh-CN" altLang="en-US"/>
           </a:p>
         </p:txBody>
@@ -1688,6 +1764,130 @@
         <p:txBody>
           <a:bodyPr/>
           <a:p>
+            <a:r>
+              <a:rPr lang="en-US" altLang="zh-CN"/>
+              <a:t>* multistage shuffle</a:t>
+            </a:r>
+            <a:r>
+              <a:rPr lang="zh-CN" altLang="en-US"/>
+              <a:t>在</a:t>
+            </a:r>
+            <a:r>
+              <a:rPr lang="en-US" altLang="zh-CN"/>
+              <a:t>map</a:t>
+            </a:r>
+            <a:r>
+              <a:rPr lang="zh-CN" altLang="en-US"/>
+              <a:t>和</a:t>
+            </a:r>
+            <a:r>
+              <a:rPr lang="en-US" altLang="zh-CN"/>
+              <a:t>reduce</a:t>
+            </a:r>
+            <a:r>
+              <a:rPr lang="zh-CN" altLang="en-US"/>
+              <a:t>阶段增加了一个</a:t>
+            </a:r>
+            <a:r>
+              <a:rPr lang="en-US" altLang="zh-CN"/>
+              <a:t>combine</a:t>
+            </a:r>
+            <a:r>
+              <a:rPr lang="zh-CN" altLang="en-US"/>
+              <a:t>阶段，</a:t>
+            </a:r>
+            <a:r>
+              <a:rPr lang="en-US" altLang="zh-CN"/>
+              <a:t>combining stage </a:t>
+            </a:r>
+            <a:r>
+              <a:rPr lang="zh-CN" altLang="en-US"/>
+              <a:t>读取</a:t>
+            </a:r>
+            <a:r>
+              <a:rPr lang="en-US" altLang="zh-CN"/>
+              <a:t>map</a:t>
+            </a:r>
+            <a:r>
+              <a:rPr lang="zh-CN" altLang="en-US"/>
+              <a:t>阶段的一个子集进行初级</a:t>
+            </a:r>
+            <a:r>
+              <a:rPr lang="zh-CN" altLang="en-US"/>
+              <a:t>合并</a:t>
+            </a:r>
+            <a:endParaRPr lang="zh-CN" altLang="en-US"/>
+          </a:p>
+          <a:p>
+            <a:r>
+              <a:rPr lang="en-US" altLang="zh-CN"/>
+              <a:t>* </a:t>
+            </a:r>
+            <a:r>
+              <a:rPr lang="zh-CN" altLang="en-US"/>
+              <a:t>这篇</a:t>
+            </a:r>
+            <a:r>
+              <a:rPr lang="en-US" altLang="zh-CN"/>
+              <a:t>paper</a:t>
+            </a:r>
+            <a:r>
+              <a:rPr lang="zh-CN" altLang="en-US"/>
+              <a:t>采用这种方案的初衷实现计算时间和对象存储请求成本的</a:t>
+            </a:r>
+            <a:r>
+              <a:rPr lang="en-US" altLang="zh-CN"/>
+              <a:t>trade-off</a:t>
+            </a:r>
+            <a:endParaRPr lang="en-US" altLang="zh-CN"/>
+          </a:p>
+          <a:p>
+            <a:r>
+              <a:rPr lang="en-US" altLang="zh-CN"/>
+              <a:t>** </a:t>
+            </a:r>
+            <a:r>
+              <a:rPr lang="zh-CN" altLang="en-US"/>
+              <a:t>虽然</a:t>
+            </a:r>
+            <a:r>
+              <a:rPr lang="en-US" altLang="zh-CN"/>
+              <a:t>S3</a:t>
+            </a:r>
+            <a:r>
+              <a:rPr lang="zh-CN" altLang="en-US"/>
+              <a:t>的成本低，但是它是按请求收费的，当请求过多时，成本</a:t>
+            </a:r>
+            <a:r>
+              <a:rPr lang="zh-CN" altLang="en-US"/>
+              <a:t>也是不可忽略的</a:t>
+            </a:r>
+            <a:endParaRPr lang="zh-CN" altLang="en-US"/>
+          </a:p>
+          <a:p>
+            <a:r>
+              <a:rPr lang="en-US" altLang="zh-CN"/>
+              <a:t>** </a:t>
+            </a:r>
+            <a:r>
+              <a:rPr lang="zh-CN" altLang="en-US"/>
+              <a:t>采用多阶段</a:t>
+            </a:r>
+            <a:r>
+              <a:rPr lang="en-US" altLang="zh-CN"/>
+              <a:t>shuffle</a:t>
+            </a:r>
+            <a:r>
+              <a:rPr lang="zh-CN" altLang="en-US"/>
+              <a:t>第一可以让读写请求数变少，但是会让读写的</a:t>
+            </a:r>
+            <a:r>
+              <a:rPr lang="zh-CN" altLang="en-US"/>
+              <a:t>数据量变多</a:t>
+            </a:r>
+            <a:endParaRPr lang="zh-CN" altLang="en-US"/>
+          </a:p>
+          <a:p>
             <a:endParaRPr lang="zh-CN" altLang="en-US"/>
           </a:p>
         </p:txBody>
@@ -1701,6 +1901,94 @@
 </file>
 
 <file path=ppt/notesSlides/notesSlide21.xml><?xml version="1.0" encoding="utf-8"?>
+<p:notes xmlns:a="http://schemas.openxmlformats.org/drawingml/2006/main" xmlns:r="http://schemas.openxmlformats.org/officeDocument/2006/relationships" xmlns:p="http://schemas.openxmlformats.org/presentationml/2006/main">
+  <p:cSld>
+    <p:spTree>
+      <p:nvGrpSpPr>
+        <p:cNvPr id="1" name=""/>
+        <p:cNvGrpSpPr/>
+        <p:nvPr/>
+      </p:nvGrpSpPr>
+      <p:grpSpPr/>
+      <p:sp>
+        <p:nvSpPr>
+          <p:cNvPr id="2" name="幻灯片图像占位符 1"/>
+          <p:cNvSpPr/>
+          <p:nvPr>
+            <p:ph type="sldImg" idx="2"/>
+          </p:nvPr>
+        </p:nvSpPr>
+        <p:spPr/>
+      </p:sp>
+      <p:sp>
+        <p:nvSpPr>
+          <p:cNvPr id="3" name="文本占位符 2"/>
+          <p:cNvSpPr/>
+          <p:nvPr>
+            <p:ph type="body" idx="3"/>
+          </p:nvPr>
+        </p:nvSpPr>
+        <p:spPr/>
+        <p:txBody>
+          <a:bodyPr/>
+          <a:p>
+            <a:endParaRPr lang="zh-CN" altLang="en-US"/>
+          </a:p>
+        </p:txBody>
+      </p:sp>
+    </p:spTree>
+  </p:cSld>
+  <p:clrMapOvr>
+    <a:masterClrMapping/>
+  </p:clrMapOvr>
+</p:notes>
+</file>
+
+<file path=ppt/notesSlides/notesSlide22.xml><?xml version="1.0" encoding="utf-8"?>
+<p:notes xmlns:a="http://schemas.openxmlformats.org/drawingml/2006/main" xmlns:r="http://schemas.openxmlformats.org/officeDocument/2006/relationships" xmlns:p="http://schemas.openxmlformats.org/presentationml/2006/main">
+  <p:cSld>
+    <p:spTree>
+      <p:nvGrpSpPr>
+        <p:cNvPr id="1" name=""/>
+        <p:cNvGrpSpPr/>
+        <p:nvPr/>
+      </p:nvGrpSpPr>
+      <p:grpSpPr/>
+      <p:sp>
+        <p:nvSpPr>
+          <p:cNvPr id="2" name="幻灯片图像占位符 1"/>
+          <p:cNvSpPr/>
+          <p:nvPr>
+            <p:ph type="sldImg" idx="2"/>
+          </p:nvPr>
+        </p:nvSpPr>
+        <p:spPr/>
+      </p:sp>
+      <p:sp>
+        <p:nvSpPr>
+          <p:cNvPr id="3" name="文本占位符 2"/>
+          <p:cNvSpPr/>
+          <p:nvPr>
+            <p:ph type="body" idx="3"/>
+          </p:nvPr>
+        </p:nvSpPr>
+        <p:spPr/>
+        <p:txBody>
+          <a:bodyPr/>
+          <a:p>
+            <a:endParaRPr lang="zh-CN" altLang="en-US"/>
+          </a:p>
+        </p:txBody>
+      </p:sp>
+    </p:spTree>
+  </p:cSld>
+  <p:clrMapOvr>
+    <a:masterClrMapping/>
+  </p:clrMapOvr>
+</p:notes>
+</file>
+
+<file path=ppt/notesSlides/notesSlide23.xml><?xml version="1.0" encoding="utf-8"?>
 <p:notes xmlns:a="http://schemas.openxmlformats.org/drawingml/2006/main" xmlns:r="http://schemas.openxmlformats.org/officeDocument/2006/relationships" xmlns:p="http://schemas.openxmlformats.org/presentationml/2006/main">
   <p:cSld>
     <p:spTree>
@@ -8778,7 +9066,7 @@
               <a:rPr lang="en-US" altLang="zh-CN" sz="2400">
                 <a:sym typeface="+mn-ea"/>
               </a:rPr>
-              <a:t>   2021.3.31</a:t>
+              <a:t>   2021.4.2</a:t>
             </a:r>
             <a:endParaRPr lang="zh-CN" altLang="en-US" sz="2400"/>
           </a:p>
@@ -14434,7 +14722,14 @@
                 <a:latin typeface="等线" panose="02010600030101010101" charset="-122"/>
                 <a:ea typeface="等线" panose="02010600030101010101" charset="-122"/>
               </a:rPr>
-              <a:t> output object is </a:t>
+              <a:t> intermediate </a:t>
+            </a:r>
+            <a:r>
+              <a:rPr lang="en-US" altLang="zh-CN">
+                <a:latin typeface="等线" panose="02010600030101010101" charset="-122"/>
+                <a:ea typeface="等线" panose="02010600030101010101" charset="-122"/>
+              </a:rPr>
+              <a:t>data is </a:t>
             </a:r>
             <a:r>
               <a:rPr lang="en-US" altLang="zh-CN">
@@ -14527,7 +14822,7 @@
         </p:nvSpPr>
         <p:spPr>
           <a:xfrm>
-            <a:off x="5292090" y="2343785"/>
+            <a:off x="5535295" y="2323465"/>
             <a:ext cx="2546985" cy="4055110"/>
           </a:xfrm>
           <a:prstGeom prst="roundRect">
@@ -14579,7 +14874,7 @@
         </p:nvSpPr>
         <p:spPr>
           <a:xfrm>
-            <a:off x="6193155" y="5253990"/>
+            <a:off x="6436360" y="5233670"/>
             <a:ext cx="741680" cy="765175"/>
           </a:xfrm>
           <a:prstGeom prst="rect">
@@ -14635,7 +14930,7 @@
         </p:nvSpPr>
         <p:spPr>
           <a:xfrm>
-            <a:off x="6326505" y="6070600"/>
+            <a:off x="6569710" y="6050280"/>
             <a:ext cx="476885" cy="368300"/>
           </a:xfrm>
           <a:prstGeom prst="rect">
@@ -14664,7 +14959,7 @@
         </p:nvSpPr>
         <p:spPr>
           <a:xfrm>
-            <a:off x="6326505" y="5452745"/>
+            <a:off x="6569710" y="5432425"/>
             <a:ext cx="476885" cy="398780"/>
           </a:xfrm>
           <a:prstGeom prst="rect">
@@ -14693,7 +14988,7 @@
         </p:nvSpPr>
         <p:spPr>
           <a:xfrm>
-            <a:off x="6094095" y="4549775"/>
+            <a:off x="6337300" y="4529455"/>
             <a:ext cx="942340" cy="521970"/>
           </a:xfrm>
           <a:prstGeom prst="flowChartMerge">
@@ -14742,7 +15037,7 @@
         </p:nvSpPr>
         <p:spPr>
           <a:xfrm>
-            <a:off x="6296660" y="4549775"/>
+            <a:off x="6539865" y="4529455"/>
             <a:ext cx="537845" cy="460375"/>
           </a:xfrm>
           <a:prstGeom prst="rect">
@@ -14783,7 +15078,7 @@
         </p:nvCxnSpPr>
         <p:spPr>
           <a:xfrm flipV="1">
-            <a:off x="6563995" y="5010150"/>
+            <a:off x="6807200" y="4989830"/>
             <a:ext cx="1905" cy="243840"/>
           </a:xfrm>
           <a:prstGeom prst="straightConnector1">
@@ -14820,7 +15115,7 @@
         </p:nvSpPr>
         <p:spPr>
           <a:xfrm>
-            <a:off x="5563870" y="2941955"/>
+            <a:off x="5807075" y="2921635"/>
             <a:ext cx="741680" cy="765175"/>
           </a:xfrm>
           <a:prstGeom prst="rect">
@@ -14876,7 +15171,7 @@
         </p:nvSpPr>
         <p:spPr>
           <a:xfrm>
-            <a:off x="6733540" y="2956560"/>
+            <a:off x="6976745" y="2936240"/>
             <a:ext cx="741680" cy="765175"/>
           </a:xfrm>
           <a:prstGeom prst="rect">
@@ -14935,7 +15230,7 @@
         </p:nvCxnSpPr>
         <p:spPr>
           <a:xfrm flipH="1" flipV="1">
-            <a:off x="5934710" y="3707130"/>
+            <a:off x="6177915" y="3686810"/>
             <a:ext cx="631190" cy="842645"/>
           </a:xfrm>
           <a:prstGeom prst="straightConnector1">
@@ -14975,7 +15270,7 @@
         </p:nvCxnSpPr>
         <p:spPr>
           <a:xfrm flipV="1">
-            <a:off x="6565900" y="3721735"/>
+            <a:off x="6809105" y="3701415"/>
             <a:ext cx="538480" cy="828040"/>
           </a:xfrm>
           <a:prstGeom prst="straightConnector1">
@@ -15012,7 +15307,7 @@
         </p:nvSpPr>
         <p:spPr>
           <a:xfrm>
-            <a:off x="5695950" y="3138805"/>
+            <a:off x="5939155" y="3118485"/>
             <a:ext cx="476885" cy="398780"/>
           </a:xfrm>
           <a:prstGeom prst="rect">
@@ -15041,7 +15336,7 @@
         </p:nvSpPr>
         <p:spPr>
           <a:xfrm>
-            <a:off x="6837680" y="3140075"/>
+            <a:off x="7080885" y="3119755"/>
             <a:ext cx="476885" cy="398780"/>
           </a:xfrm>
           <a:prstGeom prst="rect">
@@ -15070,7 +15365,7 @@
         </p:nvSpPr>
         <p:spPr>
           <a:xfrm>
-            <a:off x="6866255" y="2503170"/>
+            <a:off x="7109460" y="2482850"/>
             <a:ext cx="476885" cy="368300"/>
           </a:xfrm>
           <a:prstGeom prst="rect">
@@ -15099,7 +15394,7 @@
         </p:nvSpPr>
         <p:spPr>
           <a:xfrm>
-            <a:off x="5698490" y="2501900"/>
+            <a:off x="5941695" y="2481580"/>
             <a:ext cx="476885" cy="368300"/>
           </a:xfrm>
           <a:prstGeom prst="rect">
@@ -15128,7 +15423,7 @@
         </p:nvSpPr>
         <p:spPr>
           <a:xfrm>
-            <a:off x="6936740" y="3999230"/>
+            <a:off x="7179945" y="3978910"/>
             <a:ext cx="1023620" cy="368300"/>
           </a:xfrm>
           <a:prstGeom prst="rect">
@@ -15157,7 +15452,7 @@
         </p:nvSpPr>
         <p:spPr>
           <a:xfrm>
-            <a:off x="5273040" y="3999230"/>
+            <a:off x="5516245" y="3978910"/>
             <a:ext cx="1023620" cy="368300"/>
           </a:xfrm>
           <a:prstGeom prst="rect">
@@ -16789,15 +17084,1833 @@
           </a:fontRef>
         </p:style>
       </p:cxnSp>
+      <p:sp>
+        <p:nvSpPr>
+          <p:cNvPr id="13" name="矩形 12"/>
+          <p:cNvSpPr/>
+          <p:nvPr/>
+        </p:nvSpPr>
+        <p:spPr>
+          <a:xfrm>
+            <a:off x="2528570" y="4006850"/>
+            <a:ext cx="2101850" cy="2173605"/>
+          </a:xfrm>
+          <a:prstGeom prst="rect">
+            <a:avLst/>
+          </a:prstGeom>
+          <a:noFill/>
+          <a:ln w="28575" cmpd="sng">
+            <a:solidFill>
+              <a:schemeClr val="accent6">
+                <a:lumMod val="40000"/>
+                <a:lumOff val="60000"/>
+              </a:schemeClr>
+            </a:solidFill>
+            <a:prstDash val="solid"/>
+          </a:ln>
+          <a:effectLst>
+            <a:glow rad="88900">
+              <a:schemeClr val="accent6">
+                <a:satMod val="175000"/>
+                <a:alpha val="40000"/>
+              </a:schemeClr>
+            </a:glow>
+          </a:effectLst>
+        </p:spPr>
+        <p:style>
+          <a:lnRef idx="2">
+            <a:schemeClr val="accent1">
+              <a:shade val="50000"/>
+            </a:schemeClr>
+          </a:lnRef>
+          <a:fillRef idx="1">
+            <a:schemeClr val="accent1"/>
+          </a:fillRef>
+          <a:effectRef idx="0">
+            <a:schemeClr val="accent1"/>
+          </a:effectRef>
+          <a:fontRef idx="minor">
+            <a:schemeClr val="lt1"/>
+          </a:fontRef>
+        </p:style>
+        <p:txBody>
+          <a:bodyPr rtlCol="0" anchor="ctr"/>
+          <a:p>
+            <a:pPr algn="ctr"/>
+            <a:endParaRPr lang="zh-CN" altLang="en-US" dirty="0">
+              <a:solidFill>
+                <a:schemeClr val="tx1"/>
+              </a:solidFill>
+            </a:endParaRPr>
+          </a:p>
+        </p:txBody>
+      </p:sp>
     </p:spTree>
   </p:cSld>
   <p:clrMapOvr>
     <a:masterClrMapping/>
   </p:clrMapOvr>
+  <p:timing>
+    <p:tnLst>
+      <p:par>
+        <p:cTn id="1" dur="indefinite" restart="never" nodeType="tmRoot">
+          <p:childTnLst>
+            <p:seq concurrent="1" nextAc="seek">
+              <p:cTn id="2" dur="indefinite" nodeType="mainSeq">
+                <p:childTnLst>
+                  <p:par>
+                    <p:cTn id="3" fill="hold">
+                      <p:stCondLst>
+                        <p:cond delay="indefinite"/>
+                      </p:stCondLst>
+                      <p:childTnLst>
+                        <p:par>
+                          <p:cTn id="4" fill="hold">
+                            <p:stCondLst>
+                              <p:cond delay="0"/>
+                            </p:stCondLst>
+                            <p:childTnLst>
+                              <p:par>
+                                <p:cTn id="5" presetID="1" presetClass="entr" presetSubtype="0" fill="hold" grpId="5" nodeType="clickEffect">
+                                  <p:stCondLst>
+                                    <p:cond delay="0"/>
+                                  </p:stCondLst>
+                                  <p:childTnLst>
+                                    <p:set>
+                                      <p:cBhvr>
+                                        <p:cTn id="6" dur="1" fill="hold">
+                                          <p:stCondLst>
+                                            <p:cond delay="0"/>
+                                          </p:stCondLst>
+                                        </p:cTn>
+                                        <p:tgtEl>
+                                          <p:spTgt spid="13"/>
+                                        </p:tgtEl>
+                                        <p:attrNameLst>
+                                          <p:attrName>style.visibility</p:attrName>
+                                        </p:attrNameLst>
+                                      </p:cBhvr>
+                                      <p:to>
+                                        <p:strVal val="visible"/>
+                                      </p:to>
+                                    </p:set>
+                                  </p:childTnLst>
+                                </p:cTn>
+                              </p:par>
+                            </p:childTnLst>
+                          </p:cTn>
+                        </p:par>
+                      </p:childTnLst>
+                    </p:cTn>
+                  </p:par>
+                </p:childTnLst>
+              </p:cTn>
+              <p:prevCondLst>
+                <p:cond evt="onPrev" delay="0">
+                  <p:tgtEl>
+                    <p:sldTgt/>
+                  </p:tgtEl>
+                </p:cond>
+              </p:prevCondLst>
+              <p:nextCondLst>
+                <p:cond evt="onNext" delay="0">
+                  <p:tgtEl>
+                    <p:sldTgt/>
+                  </p:tgtEl>
+                </p:cond>
+              </p:nextCondLst>
+            </p:seq>
+          </p:childTnLst>
+        </p:cTn>
+      </p:par>
+    </p:tnLst>
+    <p:bldLst>
+      <p:bldP spid="13" grpId="5" bldLvl="0" animBg="1"/>
+    </p:bldLst>
+  </p:timing>
 </p:sld>
 </file>
 
 <file path=ppt/slides/slide18.xml><?xml version="1.0" encoding="utf-8"?>
+<p:sld xmlns:a="http://schemas.openxmlformats.org/drawingml/2006/main" xmlns:r="http://schemas.openxmlformats.org/officeDocument/2006/relationships" xmlns:p="http://schemas.openxmlformats.org/presentationml/2006/main">
+  <p:cSld>
+    <p:spTree>
+      <p:nvGrpSpPr>
+        <p:cNvPr id="1" name=""/>
+        <p:cNvGrpSpPr/>
+        <p:nvPr/>
+      </p:nvGrpSpPr>
+      <p:grpSpPr/>
+      <p:sp>
+        <p:nvSpPr>
+          <p:cNvPr id="2" name="标题 1"/>
+          <p:cNvSpPr>
+            <a:spLocks noGrp="1"/>
+          </p:cNvSpPr>
+          <p:nvPr>
+            <p:ph type="title"/>
+          </p:nvPr>
+        </p:nvSpPr>
+        <p:spPr/>
+        <p:txBody>
+          <a:bodyPr/>
+          <a:p>
+            <a:r>
+              <a:rPr lang="en-US" altLang="zh-CN">
+                <a:sym typeface="+mn-ea"/>
+              </a:rPr>
+              <a:t>Storage Mangement</a:t>
+            </a:r>
+            <a:endParaRPr lang="en-US" altLang="zh-CN"/>
+          </a:p>
+        </p:txBody>
+      </p:sp>
+      <p:sp>
+        <p:nvSpPr>
+          <p:cNvPr id="3" name="内容占位符 2"/>
+          <p:cNvSpPr>
+            <a:spLocks noGrp="1"/>
+          </p:cNvSpPr>
+          <p:nvPr>
+            <p:ph idx="1"/>
+          </p:nvPr>
+        </p:nvSpPr>
+        <p:spPr/>
+        <p:txBody>
+          <a:bodyPr/>
+          <a:p>
+            <a:r>
+              <a:rPr lang="en-US" altLang="zh-CN"/>
+              <a:t> Within a executor</a:t>
+            </a:r>
+            <a:endParaRPr lang="en-US" altLang="zh-CN"/>
+          </a:p>
+          <a:p>
+            <a:pPr lvl="1"/>
+            <a:r>
+              <a:rPr lang="en-US" altLang="zh-CN"/>
+              <a:t> </a:t>
+            </a:r>
+            <a:r>
+              <a:rPr lang="en-US" altLang="zh-CN">
+                <a:latin typeface="等线" panose="02010600030101010101" charset="-122"/>
+                <a:ea typeface="等线" panose="02010600030101010101" charset="-122"/>
+              </a:rPr>
+              <a:t>All intermediate task outputs are cached in the Executor’s local memory</a:t>
+            </a:r>
+            <a:endParaRPr lang="en-US" altLang="zh-CN">
+              <a:latin typeface="等线" panose="02010600030101010101" charset="-122"/>
+              <a:ea typeface="等线" panose="02010600030101010101" charset="-122"/>
+            </a:endParaRPr>
+          </a:p>
+          <a:p>
+            <a:pPr lvl="1"/>
+            <a:endParaRPr lang="en-US" altLang="zh-CN">
+              <a:latin typeface="等线" panose="02010600030101010101" charset="-122"/>
+              <a:ea typeface="等线" panose="02010600030101010101" charset="-122"/>
+            </a:endParaRPr>
+          </a:p>
+          <a:p>
+            <a:r>
+              <a:rPr lang="en-US" altLang="zh-CN">
+                <a:latin typeface="等线" panose="02010600030101010101" charset="-122"/>
+                <a:ea typeface="等线" panose="02010600030101010101" charset="-122"/>
+              </a:rPr>
+              <a:t> </a:t>
+            </a:r>
+            <a:r>
+              <a:rPr lang="en-US" altLang="zh-CN"/>
+              <a:t>Across executors</a:t>
+            </a:r>
+            <a:endParaRPr lang="en-US" altLang="zh-CN"/>
+          </a:p>
+          <a:p>
+            <a:pPr lvl="1"/>
+            <a:r>
+              <a:rPr lang="en-US" altLang="zh-CN"/>
+              <a:t> </a:t>
+            </a:r>
+            <a:r>
+              <a:rPr lang="en-US" altLang="zh-CN">
+                <a:latin typeface="等线" panose="02010600030101010101" charset="-122"/>
+                <a:ea typeface="等线" panose="02010600030101010101" charset="-122"/>
+              </a:rPr>
+              <a:t>Task Executors </a:t>
+            </a:r>
+            <a:r>
+              <a:rPr lang="en-US" altLang="zh-CN">
+                <a:latin typeface="等线" panose="02010600030101010101" charset="-122"/>
+                <a:ea typeface="等线" panose="02010600030101010101" charset="-122"/>
+              </a:rPr>
+              <a:t>exchange their intermediate </a:t>
+            </a:r>
+            <a:r>
+              <a:rPr lang="en-US" altLang="zh-CN">
+                <a:latin typeface="等线" panose="02010600030101010101" charset="-122"/>
+                <a:ea typeface="等线" panose="02010600030101010101" charset="-122"/>
+              </a:rPr>
+              <a:t>through the KV Store</a:t>
+            </a:r>
+            <a:endParaRPr lang="en-US" altLang="zh-CN">
+              <a:latin typeface="等线" panose="02010600030101010101" charset="-122"/>
+              <a:ea typeface="等线" panose="02010600030101010101" charset="-122"/>
+            </a:endParaRPr>
+          </a:p>
+        </p:txBody>
+      </p:sp>
+      <p:sp>
+        <p:nvSpPr>
+          <p:cNvPr id="5" name="文本框 4"/>
+          <p:cNvSpPr txBox="1"/>
+          <p:nvPr/>
+        </p:nvSpPr>
+        <p:spPr>
+          <a:xfrm>
+            <a:off x="0" y="6489700"/>
+            <a:ext cx="10696575" cy="368300"/>
+          </a:xfrm>
+          <a:prstGeom prst="rect">
+            <a:avLst/>
+          </a:prstGeom>
+          <a:noFill/>
+        </p:spPr>
+        <p:txBody>
+          <a:bodyPr wrap="square" rtlCol="0">
+            <a:spAutoFit/>
+          </a:bodyPr>
+          <a:p>
+            <a:r>
+              <a:rPr lang="zh-CN" altLang="en-US">
+                <a:solidFill>
+                  <a:schemeClr val="bg2">
+                    <a:lumMod val="50000"/>
+                  </a:schemeClr>
+                </a:solidFill>
+              </a:rPr>
+              <a:t>[1] Wukong: A Scalable and Locality-Enhanced Framework for Serverless Parallel Computing SoCC’20</a:t>
+            </a:r>
+            <a:endParaRPr lang="zh-CN" altLang="en-US">
+              <a:solidFill>
+                <a:schemeClr val="bg2">
+                  <a:lumMod val="50000"/>
+                </a:schemeClr>
+              </a:solidFill>
+            </a:endParaRPr>
+          </a:p>
+        </p:txBody>
+      </p:sp>
+      <p:sp>
+        <p:nvSpPr>
+          <p:cNvPr id="4" name="矩形 3"/>
+          <p:cNvSpPr/>
+          <p:nvPr/>
+        </p:nvSpPr>
+        <p:spPr>
+          <a:xfrm>
+            <a:off x="2748280" y="4194810"/>
+            <a:ext cx="1603375" cy="1617345"/>
+          </a:xfrm>
+          <a:prstGeom prst="rect">
+            <a:avLst/>
+          </a:prstGeom>
+          <a:noFill/>
+          <a:ln w="19050">
+            <a:solidFill>
+              <a:schemeClr val="tx1"/>
+            </a:solidFill>
+          </a:ln>
+          <a:effectLst>
+            <a:outerShdw blurRad="50800" dist="38100" dir="2700000" algn="tl" rotWithShape="0">
+              <a:prstClr val="black">
+                <a:alpha val="40000"/>
+              </a:prstClr>
+            </a:outerShdw>
+          </a:effectLst>
+        </p:spPr>
+        <p:style>
+          <a:lnRef idx="2">
+            <a:schemeClr val="accent1">
+              <a:shade val="50000"/>
+            </a:schemeClr>
+          </a:lnRef>
+          <a:fillRef idx="1">
+            <a:schemeClr val="accent1"/>
+          </a:fillRef>
+          <a:effectRef idx="0">
+            <a:schemeClr val="accent1"/>
+          </a:effectRef>
+          <a:fontRef idx="minor">
+            <a:schemeClr val="lt1"/>
+          </a:fontRef>
+        </p:style>
+        <p:txBody>
+          <a:bodyPr rtlCol="0" anchor="ctr"/>
+          <a:p>
+            <a:pPr algn="ctr"/>
+            <a:endParaRPr lang="zh-CN" altLang="en-US" dirty="0">
+              <a:solidFill>
+                <a:schemeClr val="tx1"/>
+              </a:solidFill>
+            </a:endParaRPr>
+          </a:p>
+        </p:txBody>
+      </p:sp>
+      <p:sp>
+        <p:nvSpPr>
+          <p:cNvPr id="6" name="矩形 5"/>
+          <p:cNvSpPr/>
+          <p:nvPr/>
+        </p:nvSpPr>
+        <p:spPr>
+          <a:xfrm>
+            <a:off x="2864485" y="5320030"/>
+            <a:ext cx="1359535" cy="405765"/>
+          </a:xfrm>
+          <a:prstGeom prst="rect">
+            <a:avLst/>
+          </a:prstGeom>
+          <a:solidFill>
+            <a:schemeClr val="bg1">
+              <a:lumMod val="85000"/>
+            </a:schemeClr>
+          </a:solidFill>
+          <a:ln w="28575">
+            <a:solidFill>
+              <a:schemeClr val="bg1">
+                <a:lumMod val="75000"/>
+              </a:schemeClr>
+            </a:solidFill>
+          </a:ln>
+        </p:spPr>
+        <p:style>
+          <a:lnRef idx="2">
+            <a:schemeClr val="accent1">
+              <a:shade val="50000"/>
+            </a:schemeClr>
+          </a:lnRef>
+          <a:fillRef idx="1">
+            <a:schemeClr val="accent1"/>
+          </a:fillRef>
+          <a:effectRef idx="0">
+            <a:schemeClr val="accent1"/>
+          </a:effectRef>
+          <a:fontRef idx="minor">
+            <a:schemeClr val="lt1"/>
+          </a:fontRef>
+        </p:style>
+        <p:txBody>
+          <a:bodyPr rtlCol="0" anchor="ctr"/>
+          <a:p>
+            <a:pPr algn="ctr"/>
+            <a:endParaRPr lang="zh-CN" altLang="en-US" dirty="0">
+              <a:solidFill>
+                <a:schemeClr val="tx1"/>
+              </a:solidFill>
+            </a:endParaRPr>
+          </a:p>
+        </p:txBody>
+      </p:sp>
+      <p:grpSp>
+        <p:nvGrpSpPr>
+          <p:cNvPr id="78" name="组合 77"/>
+          <p:cNvGrpSpPr/>
+          <p:nvPr/>
+        </p:nvGrpSpPr>
+        <p:grpSpPr>
+          <a:xfrm rot="660000">
+            <a:off x="3357245" y="4264660"/>
+            <a:ext cx="381000" cy="743585"/>
+            <a:chOff x="3132" y="7454"/>
+            <a:chExt cx="807" cy="1602"/>
+          </a:xfrm>
+        </p:grpSpPr>
+        <p:sp>
+          <p:nvSpPr>
+            <p:cNvPr id="54" name="椭圆 53"/>
+            <p:cNvSpPr/>
+            <p:nvPr/>
+          </p:nvSpPr>
+          <p:spPr>
+            <a:xfrm>
+              <a:off x="3755" y="7454"/>
+              <a:ext cx="185" cy="200"/>
+            </a:xfrm>
+            <a:prstGeom prst="ellipse">
+              <a:avLst/>
+            </a:prstGeom>
+            <a:solidFill>
+              <a:schemeClr val="accent1"/>
+            </a:solidFill>
+            <a:ln w="19050">
+              <a:solidFill>
+                <a:schemeClr val="tx1"/>
+              </a:solidFill>
+            </a:ln>
+          </p:spPr>
+          <p:style>
+            <a:lnRef idx="2">
+              <a:schemeClr val="accent1">
+                <a:shade val="50000"/>
+              </a:schemeClr>
+            </a:lnRef>
+            <a:fillRef idx="1">
+              <a:schemeClr val="accent1"/>
+            </a:fillRef>
+            <a:effectRef idx="0">
+              <a:schemeClr val="accent1"/>
+            </a:effectRef>
+            <a:fontRef idx="minor">
+              <a:schemeClr val="lt1"/>
+            </a:fontRef>
+          </p:style>
+          <p:txBody>
+            <a:bodyPr rtlCol="0" anchor="ctr"/>
+            <a:p>
+              <a:pPr algn="ctr"/>
+              <a:endParaRPr lang="zh-CN" altLang="en-US" dirty="0">
+                <a:solidFill>
+                  <a:schemeClr val="tx1"/>
+                </a:solidFill>
+              </a:endParaRPr>
+            </a:p>
+          </p:txBody>
+        </p:sp>
+        <p:sp>
+          <p:nvSpPr>
+            <p:cNvPr id="55" name="椭圆 54"/>
+            <p:cNvSpPr/>
+            <p:nvPr/>
+          </p:nvSpPr>
+          <p:spPr>
+            <a:xfrm>
+              <a:off x="3409" y="7949"/>
+              <a:ext cx="185" cy="200"/>
+            </a:xfrm>
+            <a:prstGeom prst="ellipse">
+              <a:avLst/>
+            </a:prstGeom>
+            <a:solidFill>
+              <a:schemeClr val="accent1"/>
+            </a:solidFill>
+            <a:ln w="19050">
+              <a:solidFill>
+                <a:schemeClr val="tx1"/>
+              </a:solidFill>
+            </a:ln>
+          </p:spPr>
+          <p:style>
+            <a:lnRef idx="2">
+              <a:schemeClr val="accent1">
+                <a:shade val="50000"/>
+              </a:schemeClr>
+            </a:lnRef>
+            <a:fillRef idx="1">
+              <a:schemeClr val="accent1"/>
+            </a:fillRef>
+            <a:effectRef idx="0">
+              <a:schemeClr val="accent1"/>
+            </a:effectRef>
+            <a:fontRef idx="minor">
+              <a:schemeClr val="lt1"/>
+            </a:fontRef>
+          </p:style>
+          <p:txBody>
+            <a:bodyPr rtlCol="0" anchor="ctr"/>
+            <a:p>
+              <a:pPr algn="ctr"/>
+              <a:endParaRPr lang="zh-CN" altLang="en-US" dirty="0">
+                <a:solidFill>
+                  <a:schemeClr val="tx1"/>
+                </a:solidFill>
+              </a:endParaRPr>
+            </a:p>
+          </p:txBody>
+        </p:sp>
+        <p:sp>
+          <p:nvSpPr>
+            <p:cNvPr id="59" name="椭圆 58"/>
+            <p:cNvSpPr/>
+            <p:nvPr/>
+          </p:nvSpPr>
+          <p:spPr>
+            <a:xfrm>
+              <a:off x="3132" y="8856"/>
+              <a:ext cx="185" cy="200"/>
+            </a:xfrm>
+            <a:prstGeom prst="ellipse">
+              <a:avLst/>
+            </a:prstGeom>
+            <a:solidFill>
+              <a:schemeClr val="accent1"/>
+            </a:solidFill>
+            <a:ln w="19050">
+              <a:solidFill>
+                <a:schemeClr val="tx1"/>
+              </a:solidFill>
+            </a:ln>
+          </p:spPr>
+          <p:style>
+            <a:lnRef idx="2">
+              <a:schemeClr val="accent1">
+                <a:shade val="50000"/>
+              </a:schemeClr>
+            </a:lnRef>
+            <a:fillRef idx="1">
+              <a:schemeClr val="accent1"/>
+            </a:fillRef>
+            <a:effectRef idx="0">
+              <a:schemeClr val="accent1"/>
+            </a:effectRef>
+            <a:fontRef idx="minor">
+              <a:schemeClr val="lt1"/>
+            </a:fontRef>
+          </p:style>
+          <p:txBody>
+            <a:bodyPr rtlCol="0" anchor="ctr"/>
+            <a:p>
+              <a:pPr algn="ctr"/>
+              <a:endParaRPr lang="zh-CN" altLang="en-US" dirty="0">
+                <a:solidFill>
+                  <a:schemeClr val="tx1"/>
+                </a:solidFill>
+              </a:endParaRPr>
+            </a:p>
+          </p:txBody>
+        </p:sp>
+        <p:cxnSp>
+          <p:nvCxnSpPr>
+            <p:cNvPr id="60" name="直接箭头连接符 59"/>
+            <p:cNvCxnSpPr>
+              <a:stCxn id="59" idx="0"/>
+              <a:endCxn id="55" idx="4"/>
+            </p:cNvCxnSpPr>
+            <p:nvPr/>
+          </p:nvCxnSpPr>
+          <p:spPr>
+            <a:xfrm flipV="1">
+              <a:off x="3225" y="8149"/>
+              <a:ext cx="277" cy="707"/>
+            </a:xfrm>
+            <a:prstGeom prst="straightConnector1">
+              <a:avLst/>
+            </a:prstGeom>
+            <a:ln w="12700">
+              <a:solidFill>
+                <a:schemeClr val="tx1"/>
+              </a:solidFill>
+              <a:headEnd type="none" w="med" len="med"/>
+              <a:tailEnd type="triangle" w="med" len="med"/>
+            </a:ln>
+          </p:spPr>
+          <p:style>
+            <a:lnRef idx="1">
+              <a:schemeClr val="accent1"/>
+            </a:lnRef>
+            <a:fillRef idx="0">
+              <a:schemeClr val="accent1"/>
+            </a:fillRef>
+            <a:effectRef idx="0">
+              <a:schemeClr val="accent1"/>
+            </a:effectRef>
+            <a:fontRef idx="minor">
+              <a:schemeClr val="tx1"/>
+            </a:fontRef>
+          </p:style>
+        </p:cxnSp>
+        <p:cxnSp>
+          <p:nvCxnSpPr>
+            <p:cNvPr id="63" name="直接箭头连接符 62"/>
+            <p:cNvCxnSpPr>
+              <a:stCxn id="55" idx="7"/>
+              <a:endCxn id="54" idx="3"/>
+            </p:cNvCxnSpPr>
+            <p:nvPr/>
+          </p:nvCxnSpPr>
+          <p:spPr>
+            <a:xfrm flipV="1">
+              <a:off x="3567" y="7625"/>
+              <a:ext cx="215" cy="353"/>
+            </a:xfrm>
+            <a:prstGeom prst="straightConnector1">
+              <a:avLst/>
+            </a:prstGeom>
+            <a:ln w="12700">
+              <a:solidFill>
+                <a:schemeClr val="tx1"/>
+              </a:solidFill>
+              <a:headEnd type="none" w="med" len="med"/>
+              <a:tailEnd type="triangle" w="med" len="med"/>
+            </a:ln>
+          </p:spPr>
+          <p:style>
+            <a:lnRef idx="1">
+              <a:schemeClr val="accent1"/>
+            </a:lnRef>
+            <a:fillRef idx="0">
+              <a:schemeClr val="accent1"/>
+            </a:fillRef>
+            <a:effectRef idx="0">
+              <a:schemeClr val="accent1"/>
+            </a:effectRef>
+            <a:fontRef idx="minor">
+              <a:schemeClr val="tx1"/>
+            </a:fontRef>
+          </p:style>
+        </p:cxnSp>
+      </p:grpSp>
+      <p:sp>
+        <p:nvSpPr>
+          <p:cNvPr id="7" name="文本框 6"/>
+          <p:cNvSpPr txBox="1"/>
+          <p:nvPr/>
+        </p:nvSpPr>
+        <p:spPr>
+          <a:xfrm>
+            <a:off x="2779395" y="5357495"/>
+            <a:ext cx="1541145" cy="368300"/>
+          </a:xfrm>
+          <a:prstGeom prst="rect">
+            <a:avLst/>
+          </a:prstGeom>
+          <a:noFill/>
+        </p:spPr>
+        <p:txBody>
+          <a:bodyPr wrap="square" rtlCol="0">
+            <a:spAutoFit/>
+          </a:bodyPr>
+          <a:p>
+            <a:r>
+              <a:rPr lang="en-US" altLang="zh-CN"/>
+              <a:t>Local S</a:t>
+            </a:r>
+            <a:r>
+              <a:rPr lang="en-US" altLang="zh-CN"/>
+              <a:t>torage</a:t>
+            </a:r>
+            <a:endParaRPr lang="en-US" altLang="zh-CN"/>
+          </a:p>
+        </p:txBody>
+      </p:sp>
+      <p:sp>
+        <p:nvSpPr>
+          <p:cNvPr id="8" name="文本框 7"/>
+          <p:cNvSpPr txBox="1"/>
+          <p:nvPr/>
+        </p:nvSpPr>
+        <p:spPr>
+          <a:xfrm>
+            <a:off x="2940685" y="5812155"/>
+            <a:ext cx="1207135" cy="368300"/>
+          </a:xfrm>
+          <a:prstGeom prst="rect">
+            <a:avLst/>
+          </a:prstGeom>
+          <a:noFill/>
+        </p:spPr>
+        <p:txBody>
+          <a:bodyPr wrap="square" rtlCol="0">
+            <a:spAutoFit/>
+          </a:bodyPr>
+          <a:p>
+            <a:r>
+              <a:rPr lang="en-US" altLang="zh-CN" b="1">
+                <a:latin typeface="微软雅黑" panose="020B0503020204020204" charset="-122"/>
+                <a:ea typeface="微软雅黑" panose="020B0503020204020204" charset="-122"/>
+              </a:rPr>
+              <a:t>Executor</a:t>
+            </a:r>
+            <a:endParaRPr lang="en-US" altLang="zh-CN" b="1">
+              <a:latin typeface="微软雅黑" panose="020B0503020204020204" charset="-122"/>
+              <a:ea typeface="微软雅黑" panose="020B0503020204020204" charset="-122"/>
+            </a:endParaRPr>
+          </a:p>
+        </p:txBody>
+      </p:sp>
+      <p:cxnSp>
+        <p:nvCxnSpPr>
+          <p:cNvPr id="9" name="直接箭头连接符 8"/>
+          <p:cNvCxnSpPr>
+            <a:stCxn id="59" idx="4"/>
+            <a:endCxn id="6" idx="0"/>
+          </p:cNvCxnSpPr>
+          <p:nvPr/>
+        </p:nvCxnSpPr>
+        <p:spPr>
+          <a:xfrm>
+            <a:off x="3333115" y="4973320"/>
+            <a:ext cx="211455" cy="346710"/>
+          </a:xfrm>
+          <a:prstGeom prst="straightConnector1">
+            <a:avLst/>
+          </a:prstGeom>
+          <a:ln w="12700" cmpd="sng">
+            <a:solidFill>
+              <a:schemeClr val="tx1"/>
+            </a:solidFill>
+            <a:prstDash val="sysDash"/>
+            <a:headEnd type="none" w="med" len="med"/>
+            <a:tailEnd type="arrow" w="med" len="med"/>
+          </a:ln>
+        </p:spPr>
+        <p:style>
+          <a:lnRef idx="1">
+            <a:schemeClr val="accent1"/>
+          </a:lnRef>
+          <a:fillRef idx="0">
+            <a:schemeClr val="accent1"/>
+          </a:fillRef>
+          <a:effectRef idx="0">
+            <a:schemeClr val="accent1"/>
+          </a:effectRef>
+          <a:fontRef idx="minor">
+            <a:schemeClr val="tx1"/>
+          </a:fontRef>
+        </p:style>
+      </p:cxnSp>
+      <p:cxnSp>
+        <p:nvCxnSpPr>
+          <p:cNvPr id="10" name="直接箭头连接符 9"/>
+          <p:cNvCxnSpPr>
+            <a:endCxn id="55" idx="5"/>
+          </p:cNvCxnSpPr>
+          <p:nvPr/>
+        </p:nvCxnSpPr>
+        <p:spPr>
+          <a:xfrm flipV="1">
+            <a:off x="3529330" y="4577715"/>
+            <a:ext cx="45085" cy="747395"/>
+          </a:xfrm>
+          <a:prstGeom prst="straightConnector1">
+            <a:avLst/>
+          </a:prstGeom>
+          <a:ln w="12700" cmpd="sng">
+            <a:solidFill>
+              <a:schemeClr val="tx1"/>
+            </a:solidFill>
+            <a:prstDash val="sysDash"/>
+            <a:headEnd type="none" w="med" len="med"/>
+            <a:tailEnd type="arrow" w="med" len="med"/>
+          </a:ln>
+        </p:spPr>
+        <p:style>
+          <a:lnRef idx="1">
+            <a:schemeClr val="accent1"/>
+          </a:lnRef>
+          <a:fillRef idx="0">
+            <a:schemeClr val="accent1"/>
+          </a:fillRef>
+          <a:effectRef idx="0">
+            <a:schemeClr val="accent1"/>
+          </a:effectRef>
+          <a:fontRef idx="minor">
+            <a:schemeClr val="tx1"/>
+          </a:fontRef>
+        </p:style>
+      </p:cxnSp>
+      <p:sp>
+        <p:nvSpPr>
+          <p:cNvPr id="121" name="矩形 120"/>
+          <p:cNvSpPr/>
+          <p:nvPr/>
+        </p:nvSpPr>
+        <p:spPr>
+          <a:xfrm>
+            <a:off x="4984750" y="5247640"/>
+            <a:ext cx="2658745" cy="998855"/>
+          </a:xfrm>
+          <a:prstGeom prst="rect">
+            <a:avLst/>
+          </a:prstGeom>
+          <a:solidFill>
+            <a:schemeClr val="bg1">
+              <a:lumMod val="95000"/>
+            </a:schemeClr>
+          </a:solidFill>
+          <a:ln w="15875">
+            <a:solidFill>
+              <a:schemeClr val="tx1"/>
+            </a:solidFill>
+          </a:ln>
+        </p:spPr>
+        <p:style>
+          <a:lnRef idx="2">
+            <a:schemeClr val="accent1">
+              <a:shade val="50000"/>
+            </a:schemeClr>
+          </a:lnRef>
+          <a:fillRef idx="1">
+            <a:schemeClr val="accent1"/>
+          </a:fillRef>
+          <a:effectRef idx="0">
+            <a:schemeClr val="accent1"/>
+          </a:effectRef>
+          <a:fontRef idx="minor">
+            <a:schemeClr val="lt1"/>
+          </a:fontRef>
+        </p:style>
+        <p:txBody>
+          <a:bodyPr rtlCol="0" anchor="ctr"/>
+          <a:p>
+            <a:pPr algn="ctr"/>
+            <a:endParaRPr lang="zh-CN" altLang="en-US" dirty="0">
+              <a:solidFill>
+                <a:schemeClr val="tx1"/>
+              </a:solidFill>
+            </a:endParaRPr>
+          </a:p>
+        </p:txBody>
+      </p:sp>
+      <p:sp>
+        <p:nvSpPr>
+          <p:cNvPr id="122" name="流程图: 磁盘 121"/>
+          <p:cNvSpPr/>
+          <p:nvPr/>
+        </p:nvSpPr>
+        <p:spPr>
+          <a:xfrm>
+            <a:off x="5289550" y="5385435"/>
+            <a:ext cx="2049780" cy="548640"/>
+          </a:xfrm>
+          <a:prstGeom prst="flowChartMagneticDisk">
+            <a:avLst/>
+          </a:prstGeom>
+          <a:solidFill>
+            <a:srgbClr val="F1AF4F"/>
+          </a:solidFill>
+          <a:ln w="15875">
+            <a:solidFill>
+              <a:schemeClr val="tx1"/>
+            </a:solidFill>
+          </a:ln>
+        </p:spPr>
+        <p:style>
+          <a:lnRef idx="2">
+            <a:schemeClr val="accent1">
+              <a:shade val="50000"/>
+            </a:schemeClr>
+          </a:lnRef>
+          <a:fillRef idx="1">
+            <a:schemeClr val="accent1"/>
+          </a:fillRef>
+          <a:effectRef idx="0">
+            <a:schemeClr val="accent1"/>
+          </a:effectRef>
+          <a:fontRef idx="minor">
+            <a:schemeClr val="lt1"/>
+          </a:fontRef>
+        </p:style>
+        <p:txBody>
+          <a:bodyPr rtlCol="0" anchor="ctr"/>
+          <a:p>
+            <a:pPr algn="ctr"/>
+            <a:endParaRPr lang="zh-CN" altLang="en-US" dirty="0">
+              <a:solidFill>
+                <a:schemeClr val="tx1"/>
+              </a:solidFill>
+            </a:endParaRPr>
+          </a:p>
+        </p:txBody>
+      </p:sp>
+      <p:sp>
+        <p:nvSpPr>
+          <p:cNvPr id="123" name="文本框 122"/>
+          <p:cNvSpPr txBox="1"/>
+          <p:nvPr/>
+        </p:nvSpPr>
+        <p:spPr>
+          <a:xfrm>
+            <a:off x="4927600" y="5878195"/>
+            <a:ext cx="2772410" cy="368300"/>
+          </a:xfrm>
+          <a:prstGeom prst="rect">
+            <a:avLst/>
+          </a:prstGeom>
+          <a:noFill/>
+        </p:spPr>
+        <p:txBody>
+          <a:bodyPr wrap="square" rtlCol="0">
+            <a:spAutoFit/>
+          </a:bodyPr>
+          <a:p>
+            <a:pPr algn="ctr"/>
+            <a:r>
+              <a:rPr lang="en-US" altLang="zh-CN" b="1">
+                <a:latin typeface="微软雅黑" panose="020B0503020204020204" charset="-122"/>
+                <a:ea typeface="微软雅黑" panose="020B0503020204020204" charset="-122"/>
+              </a:rPr>
+              <a:t>Intermediate KV </a:t>
+            </a:r>
+            <a:r>
+              <a:rPr lang="en-US" altLang="zh-CN" b="1">
+                <a:latin typeface="微软雅黑" panose="020B0503020204020204" charset="-122"/>
+                <a:ea typeface="微软雅黑" panose="020B0503020204020204" charset="-122"/>
+              </a:rPr>
+              <a:t>store</a:t>
+            </a:r>
+            <a:endParaRPr lang="en-US" altLang="zh-CN" b="1">
+              <a:latin typeface="微软雅黑" panose="020B0503020204020204" charset="-122"/>
+              <a:ea typeface="微软雅黑" panose="020B0503020204020204" charset="-122"/>
+            </a:endParaRPr>
+          </a:p>
+        </p:txBody>
+      </p:sp>
+      <p:cxnSp>
+        <p:nvCxnSpPr>
+          <p:cNvPr id="124" name="直接箭头连接符 123"/>
+          <p:cNvCxnSpPr>
+            <a:stCxn id="122" idx="1"/>
+          </p:cNvCxnSpPr>
+          <p:nvPr/>
+        </p:nvCxnSpPr>
+        <p:spPr>
+          <a:xfrm flipH="1" flipV="1">
+            <a:off x="4351655" y="5003800"/>
+            <a:ext cx="1962785" cy="381635"/>
+          </a:xfrm>
+          <a:prstGeom prst="straightConnector1">
+            <a:avLst/>
+          </a:prstGeom>
+          <a:ln w="19050">
+            <a:solidFill>
+              <a:schemeClr val="tx1"/>
+            </a:solidFill>
+            <a:headEnd type="triangle" w="lg" len="lg"/>
+            <a:tailEnd type="triangle" w="lg" len="lg"/>
+          </a:ln>
+        </p:spPr>
+        <p:style>
+          <a:lnRef idx="1">
+            <a:schemeClr val="accent1"/>
+          </a:lnRef>
+          <a:fillRef idx="0">
+            <a:schemeClr val="accent1"/>
+          </a:fillRef>
+          <a:effectRef idx="0">
+            <a:schemeClr val="accent1"/>
+          </a:effectRef>
+          <a:fontRef idx="minor">
+            <a:schemeClr val="tx1"/>
+          </a:fontRef>
+        </p:style>
+      </p:cxnSp>
+      <p:sp>
+        <p:nvSpPr>
+          <p:cNvPr id="125" name="文本框 124"/>
+          <p:cNvSpPr txBox="1"/>
+          <p:nvPr/>
+        </p:nvSpPr>
+        <p:spPr>
+          <a:xfrm>
+            <a:off x="5351145" y="4629150"/>
+            <a:ext cx="1917065" cy="645160"/>
+          </a:xfrm>
+          <a:prstGeom prst="rect">
+            <a:avLst/>
+          </a:prstGeom>
+          <a:noFill/>
+        </p:spPr>
+        <p:txBody>
+          <a:bodyPr wrap="square" rtlCol="0">
+            <a:spAutoFit/>
+          </a:bodyPr>
+          <a:p>
+            <a:pPr algn="ctr"/>
+            <a:r>
+              <a:rPr lang="en-US" altLang="zh-CN"/>
+              <a:t>Intermediate </a:t>
+            </a:r>
+            <a:r>
+              <a:rPr lang="en-US" altLang="zh-CN"/>
+              <a:t>data</a:t>
+            </a:r>
+            <a:endParaRPr lang="en-US" altLang="zh-CN"/>
+          </a:p>
+        </p:txBody>
+      </p:sp>
+      <p:sp>
+        <p:nvSpPr>
+          <p:cNvPr id="11" name="矩形 10"/>
+          <p:cNvSpPr/>
+          <p:nvPr/>
+        </p:nvSpPr>
+        <p:spPr>
+          <a:xfrm>
+            <a:off x="8409940" y="4194810"/>
+            <a:ext cx="1603375" cy="1617345"/>
+          </a:xfrm>
+          <a:prstGeom prst="rect">
+            <a:avLst/>
+          </a:prstGeom>
+          <a:noFill/>
+          <a:ln w="19050">
+            <a:solidFill>
+              <a:schemeClr val="tx1"/>
+            </a:solidFill>
+          </a:ln>
+          <a:effectLst>
+            <a:outerShdw blurRad="50800" dist="38100" dir="2700000" algn="tl" rotWithShape="0">
+              <a:prstClr val="black">
+                <a:alpha val="40000"/>
+              </a:prstClr>
+            </a:outerShdw>
+          </a:effectLst>
+        </p:spPr>
+        <p:style>
+          <a:lnRef idx="2">
+            <a:schemeClr val="accent1">
+              <a:shade val="50000"/>
+            </a:schemeClr>
+          </a:lnRef>
+          <a:fillRef idx="1">
+            <a:schemeClr val="accent1"/>
+          </a:fillRef>
+          <a:effectRef idx="0">
+            <a:schemeClr val="accent1"/>
+          </a:effectRef>
+          <a:fontRef idx="minor">
+            <a:schemeClr val="lt1"/>
+          </a:fontRef>
+        </p:style>
+        <p:txBody>
+          <a:bodyPr rtlCol="0" anchor="ctr"/>
+          <a:p>
+            <a:pPr algn="ctr"/>
+            <a:endParaRPr lang="zh-CN" altLang="en-US" dirty="0">
+              <a:solidFill>
+                <a:schemeClr val="tx1"/>
+              </a:solidFill>
+            </a:endParaRPr>
+          </a:p>
+        </p:txBody>
+      </p:sp>
+      <p:sp>
+        <p:nvSpPr>
+          <p:cNvPr id="12" name="矩形 11"/>
+          <p:cNvSpPr/>
+          <p:nvPr/>
+        </p:nvSpPr>
+        <p:spPr>
+          <a:xfrm>
+            <a:off x="8526145" y="5320030"/>
+            <a:ext cx="1359535" cy="405765"/>
+          </a:xfrm>
+          <a:prstGeom prst="rect">
+            <a:avLst/>
+          </a:prstGeom>
+          <a:solidFill>
+            <a:schemeClr val="bg1">
+              <a:lumMod val="85000"/>
+            </a:schemeClr>
+          </a:solidFill>
+          <a:ln w="28575">
+            <a:solidFill>
+              <a:schemeClr val="bg1">
+                <a:lumMod val="75000"/>
+              </a:schemeClr>
+            </a:solidFill>
+          </a:ln>
+        </p:spPr>
+        <p:style>
+          <a:lnRef idx="2">
+            <a:schemeClr val="accent1">
+              <a:shade val="50000"/>
+            </a:schemeClr>
+          </a:lnRef>
+          <a:fillRef idx="1">
+            <a:schemeClr val="accent1"/>
+          </a:fillRef>
+          <a:effectRef idx="0">
+            <a:schemeClr val="accent1"/>
+          </a:effectRef>
+          <a:fontRef idx="minor">
+            <a:schemeClr val="lt1"/>
+          </a:fontRef>
+        </p:style>
+        <p:txBody>
+          <a:bodyPr rtlCol="0" anchor="ctr"/>
+          <a:p>
+            <a:pPr algn="ctr"/>
+            <a:endParaRPr lang="zh-CN" altLang="en-US" dirty="0">
+              <a:solidFill>
+                <a:schemeClr val="tx1"/>
+              </a:solidFill>
+            </a:endParaRPr>
+          </a:p>
+        </p:txBody>
+      </p:sp>
+      <p:sp>
+        <p:nvSpPr>
+          <p:cNvPr id="19" name="文本框 18"/>
+          <p:cNvSpPr txBox="1"/>
+          <p:nvPr/>
+        </p:nvSpPr>
+        <p:spPr>
+          <a:xfrm>
+            <a:off x="8441055" y="5357495"/>
+            <a:ext cx="1541145" cy="368300"/>
+          </a:xfrm>
+          <a:prstGeom prst="rect">
+            <a:avLst/>
+          </a:prstGeom>
+          <a:noFill/>
+        </p:spPr>
+        <p:txBody>
+          <a:bodyPr wrap="square" rtlCol="0">
+            <a:spAutoFit/>
+          </a:bodyPr>
+          <a:p>
+            <a:r>
+              <a:rPr lang="en-US" altLang="zh-CN"/>
+              <a:t>Local S</a:t>
+            </a:r>
+            <a:r>
+              <a:rPr lang="en-US" altLang="zh-CN"/>
+              <a:t>torage</a:t>
+            </a:r>
+            <a:endParaRPr lang="en-US" altLang="zh-CN"/>
+          </a:p>
+        </p:txBody>
+      </p:sp>
+      <p:sp>
+        <p:nvSpPr>
+          <p:cNvPr id="20" name="文本框 19"/>
+          <p:cNvSpPr txBox="1"/>
+          <p:nvPr/>
+        </p:nvSpPr>
+        <p:spPr>
+          <a:xfrm>
+            <a:off x="8602345" y="5812155"/>
+            <a:ext cx="1207135" cy="368300"/>
+          </a:xfrm>
+          <a:prstGeom prst="rect">
+            <a:avLst/>
+          </a:prstGeom>
+          <a:noFill/>
+        </p:spPr>
+        <p:txBody>
+          <a:bodyPr wrap="square" rtlCol="0">
+            <a:spAutoFit/>
+          </a:bodyPr>
+          <a:p>
+            <a:r>
+              <a:rPr lang="en-US" altLang="zh-CN" b="1">
+                <a:latin typeface="微软雅黑" panose="020B0503020204020204" charset="-122"/>
+                <a:ea typeface="微软雅黑" panose="020B0503020204020204" charset="-122"/>
+              </a:rPr>
+              <a:t>Executor</a:t>
+            </a:r>
+            <a:endParaRPr lang="en-US" altLang="zh-CN" b="1">
+              <a:latin typeface="微软雅黑" panose="020B0503020204020204" charset="-122"/>
+              <a:ea typeface="微软雅黑" panose="020B0503020204020204" charset="-122"/>
+            </a:endParaRPr>
+          </a:p>
+        </p:txBody>
+      </p:sp>
+      <p:cxnSp>
+        <p:nvCxnSpPr>
+          <p:cNvPr id="21" name="直接箭头连接符 20"/>
+          <p:cNvCxnSpPr>
+            <a:stCxn id="71" idx="3"/>
+            <a:endCxn id="12" idx="0"/>
+          </p:cNvCxnSpPr>
+          <p:nvPr/>
+        </p:nvCxnSpPr>
+        <p:spPr>
+          <a:xfrm flipH="1">
+            <a:off x="9206230" y="5075555"/>
+            <a:ext cx="386080" cy="244475"/>
+          </a:xfrm>
+          <a:prstGeom prst="straightConnector1">
+            <a:avLst/>
+          </a:prstGeom>
+          <a:ln w="12700" cmpd="sng">
+            <a:solidFill>
+              <a:schemeClr val="tx1"/>
+            </a:solidFill>
+            <a:prstDash val="sysDash"/>
+            <a:headEnd type="none" w="med" len="med"/>
+            <a:tailEnd type="arrow" w="med" len="med"/>
+          </a:ln>
+        </p:spPr>
+        <p:style>
+          <a:lnRef idx="1">
+            <a:schemeClr val="accent1"/>
+          </a:lnRef>
+          <a:fillRef idx="0">
+            <a:schemeClr val="accent1"/>
+          </a:fillRef>
+          <a:effectRef idx="0">
+            <a:schemeClr val="accent1"/>
+          </a:effectRef>
+          <a:fontRef idx="minor">
+            <a:schemeClr val="tx1"/>
+          </a:fontRef>
+        </p:style>
+      </p:cxnSp>
+      <p:cxnSp>
+        <p:nvCxnSpPr>
+          <p:cNvPr id="22" name="直接箭头连接符 21"/>
+          <p:cNvCxnSpPr/>
+          <p:nvPr/>
+        </p:nvCxnSpPr>
+        <p:spPr>
+          <a:xfrm flipV="1">
+            <a:off x="16073120" y="5032375"/>
+            <a:ext cx="45085" cy="747395"/>
+          </a:xfrm>
+          <a:prstGeom prst="straightConnector1">
+            <a:avLst/>
+          </a:prstGeom>
+          <a:ln w="12700" cmpd="sng">
+            <a:solidFill>
+              <a:schemeClr val="tx1"/>
+            </a:solidFill>
+            <a:prstDash val="sysDash"/>
+            <a:headEnd type="none" w="med" len="med"/>
+            <a:tailEnd type="arrow" w="med" len="med"/>
+          </a:ln>
+        </p:spPr>
+        <p:style>
+          <a:lnRef idx="1">
+            <a:schemeClr val="accent1"/>
+          </a:lnRef>
+          <a:fillRef idx="0">
+            <a:schemeClr val="accent1"/>
+          </a:fillRef>
+          <a:effectRef idx="0">
+            <a:schemeClr val="accent1"/>
+          </a:effectRef>
+          <a:fontRef idx="minor">
+            <a:schemeClr val="tx1"/>
+          </a:fontRef>
+        </p:style>
+      </p:cxnSp>
+      <p:cxnSp>
+        <p:nvCxnSpPr>
+          <p:cNvPr id="23" name="直接箭头连接符 22"/>
+          <p:cNvCxnSpPr>
+            <a:stCxn id="122" idx="1"/>
+            <a:endCxn id="11" idx="1"/>
+          </p:cNvCxnSpPr>
+          <p:nvPr/>
+        </p:nvCxnSpPr>
+        <p:spPr>
+          <a:xfrm flipV="1">
+            <a:off x="6314440" y="5003800"/>
+            <a:ext cx="2095500" cy="381635"/>
+          </a:xfrm>
+          <a:prstGeom prst="straightConnector1">
+            <a:avLst/>
+          </a:prstGeom>
+          <a:ln w="19050">
+            <a:solidFill>
+              <a:schemeClr val="tx1"/>
+            </a:solidFill>
+            <a:headEnd type="triangle" w="lg" len="lg"/>
+            <a:tailEnd type="triangle" w="lg" len="lg"/>
+          </a:ln>
+        </p:spPr>
+        <p:style>
+          <a:lnRef idx="1">
+            <a:schemeClr val="accent1"/>
+          </a:lnRef>
+          <a:fillRef idx="0">
+            <a:schemeClr val="accent1"/>
+          </a:fillRef>
+          <a:effectRef idx="0">
+            <a:schemeClr val="accent1"/>
+          </a:effectRef>
+          <a:fontRef idx="minor">
+            <a:schemeClr val="tx1"/>
+          </a:fontRef>
+        </p:style>
+      </p:cxnSp>
+      <p:grpSp>
+        <p:nvGrpSpPr>
+          <p:cNvPr id="24" name="组合 23"/>
+          <p:cNvGrpSpPr/>
+          <p:nvPr/>
+        </p:nvGrpSpPr>
+        <p:grpSpPr>
+          <a:xfrm rot="19740000">
+            <a:off x="9135745" y="4175760"/>
+            <a:ext cx="311785" cy="1017270"/>
+            <a:chOff x="10420" y="3363"/>
+            <a:chExt cx="491" cy="1602"/>
+          </a:xfrm>
+        </p:grpSpPr>
+        <p:sp>
+          <p:nvSpPr>
+            <p:cNvPr id="67" name="椭圆 66"/>
+            <p:cNvSpPr/>
+            <p:nvPr/>
+          </p:nvSpPr>
+          <p:spPr>
+            <a:xfrm>
+              <a:off x="10421" y="3363"/>
+              <a:ext cx="185" cy="200"/>
+            </a:xfrm>
+            <a:prstGeom prst="ellipse">
+              <a:avLst/>
+            </a:prstGeom>
+            <a:solidFill>
+              <a:schemeClr val="accent6">
+                <a:lumMod val="40000"/>
+                <a:lumOff val="60000"/>
+              </a:schemeClr>
+            </a:solidFill>
+            <a:ln w="19050">
+              <a:solidFill>
+                <a:schemeClr val="tx1"/>
+              </a:solidFill>
+            </a:ln>
+          </p:spPr>
+          <p:style>
+            <a:lnRef idx="2">
+              <a:schemeClr val="accent1">
+                <a:shade val="50000"/>
+              </a:schemeClr>
+            </a:lnRef>
+            <a:fillRef idx="1">
+              <a:schemeClr val="accent1"/>
+            </a:fillRef>
+            <a:effectRef idx="0">
+              <a:schemeClr val="accent1"/>
+            </a:effectRef>
+            <a:fontRef idx="minor">
+              <a:schemeClr val="lt1"/>
+            </a:fontRef>
+          </p:style>
+          <p:txBody>
+            <a:bodyPr rtlCol="0" anchor="ctr"/>
+            <a:p>
+              <a:pPr algn="ctr"/>
+              <a:endParaRPr lang="zh-CN" altLang="en-US" dirty="0">
+                <a:solidFill>
+                  <a:schemeClr val="tx1"/>
+                </a:solidFill>
+              </a:endParaRPr>
+            </a:p>
+          </p:txBody>
+        </p:sp>
+        <p:sp>
+          <p:nvSpPr>
+            <p:cNvPr id="69" name="椭圆 68"/>
+            <p:cNvSpPr/>
+            <p:nvPr/>
+          </p:nvSpPr>
+          <p:spPr>
+            <a:xfrm>
+              <a:off x="10692" y="3858"/>
+              <a:ext cx="185" cy="200"/>
+            </a:xfrm>
+            <a:prstGeom prst="ellipse">
+              <a:avLst/>
+            </a:prstGeom>
+            <a:solidFill>
+              <a:schemeClr val="accent6">
+                <a:lumMod val="40000"/>
+                <a:lumOff val="60000"/>
+              </a:schemeClr>
+            </a:solidFill>
+            <a:ln w="19050">
+              <a:solidFill>
+                <a:schemeClr val="tx1"/>
+              </a:solidFill>
+            </a:ln>
+          </p:spPr>
+          <p:style>
+            <a:lnRef idx="2">
+              <a:schemeClr val="accent1">
+                <a:shade val="50000"/>
+              </a:schemeClr>
+            </a:lnRef>
+            <a:fillRef idx="1">
+              <a:schemeClr val="accent1"/>
+            </a:fillRef>
+            <a:effectRef idx="0">
+              <a:schemeClr val="accent1"/>
+            </a:effectRef>
+            <a:fontRef idx="minor">
+              <a:schemeClr val="lt1"/>
+            </a:fontRef>
+          </p:style>
+          <p:txBody>
+            <a:bodyPr rtlCol="0" anchor="ctr"/>
+            <a:p>
+              <a:pPr algn="ctr"/>
+              <a:endParaRPr lang="zh-CN" altLang="en-US" dirty="0">
+                <a:solidFill>
+                  <a:schemeClr val="tx1"/>
+                </a:solidFill>
+              </a:endParaRPr>
+            </a:p>
+          </p:txBody>
+        </p:sp>
+        <p:sp>
+          <p:nvSpPr>
+            <p:cNvPr id="70" name="椭圆 69"/>
+            <p:cNvSpPr/>
+            <p:nvPr/>
+          </p:nvSpPr>
+          <p:spPr>
+            <a:xfrm>
+              <a:off x="10420" y="4333"/>
+              <a:ext cx="185" cy="200"/>
+            </a:xfrm>
+            <a:prstGeom prst="ellipse">
+              <a:avLst/>
+            </a:prstGeom>
+            <a:solidFill>
+              <a:schemeClr val="accent6">
+                <a:lumMod val="40000"/>
+                <a:lumOff val="60000"/>
+              </a:schemeClr>
+            </a:solidFill>
+            <a:ln w="19050">
+              <a:solidFill>
+                <a:schemeClr val="tx1"/>
+              </a:solidFill>
+            </a:ln>
+          </p:spPr>
+          <p:style>
+            <a:lnRef idx="2">
+              <a:schemeClr val="accent1">
+                <a:shade val="50000"/>
+              </a:schemeClr>
+            </a:lnRef>
+            <a:fillRef idx="1">
+              <a:schemeClr val="accent1"/>
+            </a:fillRef>
+            <a:effectRef idx="0">
+              <a:schemeClr val="accent1"/>
+            </a:effectRef>
+            <a:fontRef idx="minor">
+              <a:schemeClr val="lt1"/>
+            </a:fontRef>
+          </p:style>
+          <p:txBody>
+            <a:bodyPr rtlCol="0" anchor="ctr"/>
+            <a:p>
+              <a:pPr algn="ctr"/>
+              <a:endParaRPr lang="zh-CN" altLang="en-US" dirty="0">
+                <a:solidFill>
+                  <a:schemeClr val="tx1"/>
+                </a:solidFill>
+              </a:endParaRPr>
+            </a:p>
+          </p:txBody>
+        </p:sp>
+        <p:sp>
+          <p:nvSpPr>
+            <p:cNvPr id="71" name="椭圆 70"/>
+            <p:cNvSpPr/>
+            <p:nvPr/>
+          </p:nvSpPr>
+          <p:spPr>
+            <a:xfrm>
+              <a:off x="10727" y="4765"/>
+              <a:ext cx="185" cy="200"/>
+            </a:xfrm>
+            <a:prstGeom prst="ellipse">
+              <a:avLst/>
+            </a:prstGeom>
+            <a:solidFill>
+              <a:schemeClr val="accent6">
+                <a:lumMod val="40000"/>
+                <a:lumOff val="60000"/>
+              </a:schemeClr>
+            </a:solidFill>
+            <a:ln w="19050">
+              <a:solidFill>
+                <a:schemeClr val="tx1"/>
+              </a:solidFill>
+            </a:ln>
+          </p:spPr>
+          <p:style>
+            <a:lnRef idx="2">
+              <a:schemeClr val="accent1">
+                <a:shade val="50000"/>
+              </a:schemeClr>
+            </a:lnRef>
+            <a:fillRef idx="1">
+              <a:schemeClr val="accent1"/>
+            </a:fillRef>
+            <a:effectRef idx="0">
+              <a:schemeClr val="accent1"/>
+            </a:effectRef>
+            <a:fontRef idx="minor">
+              <a:schemeClr val="lt1"/>
+            </a:fontRef>
+          </p:style>
+          <p:txBody>
+            <a:bodyPr rtlCol="0" anchor="ctr"/>
+            <a:p>
+              <a:pPr algn="ctr"/>
+              <a:endParaRPr lang="zh-CN" altLang="en-US" dirty="0">
+                <a:solidFill>
+                  <a:schemeClr val="tx1"/>
+                </a:solidFill>
+              </a:endParaRPr>
+            </a:p>
+          </p:txBody>
+        </p:sp>
+        <p:cxnSp>
+          <p:nvCxnSpPr>
+            <p:cNvPr id="74" name="直接箭头连接符 73"/>
+            <p:cNvCxnSpPr>
+              <a:stCxn id="71" idx="1"/>
+              <a:endCxn id="70" idx="5"/>
+            </p:cNvCxnSpPr>
+            <p:nvPr/>
+          </p:nvCxnSpPr>
+          <p:spPr>
+            <a:xfrm flipH="1" flipV="1">
+              <a:off x="10578" y="4504"/>
+              <a:ext cx="176" cy="290"/>
+            </a:xfrm>
+            <a:prstGeom prst="straightConnector1">
+              <a:avLst/>
+            </a:prstGeom>
+            <a:solidFill>
+              <a:schemeClr val="accent6">
+                <a:lumMod val="40000"/>
+                <a:lumOff val="60000"/>
+              </a:schemeClr>
+            </a:solidFill>
+            <a:ln w="12700">
+              <a:solidFill>
+                <a:schemeClr val="tx1"/>
+              </a:solidFill>
+              <a:headEnd type="none" w="med" len="med"/>
+              <a:tailEnd type="triangle" w="med" len="med"/>
+            </a:ln>
+          </p:spPr>
+          <p:style>
+            <a:lnRef idx="1">
+              <a:schemeClr val="accent1"/>
+            </a:lnRef>
+            <a:fillRef idx="0">
+              <a:schemeClr val="accent1"/>
+            </a:fillRef>
+            <a:effectRef idx="0">
+              <a:schemeClr val="accent1"/>
+            </a:effectRef>
+            <a:fontRef idx="minor">
+              <a:schemeClr val="tx1"/>
+            </a:fontRef>
+          </p:style>
+        </p:cxnSp>
+        <p:cxnSp>
+          <p:nvCxnSpPr>
+            <p:cNvPr id="76" name="直接箭头连接符 75"/>
+            <p:cNvCxnSpPr>
+              <a:stCxn id="70" idx="7"/>
+              <a:endCxn id="69" idx="4"/>
+            </p:cNvCxnSpPr>
+            <p:nvPr/>
+          </p:nvCxnSpPr>
+          <p:spPr>
+            <a:xfrm flipV="1">
+              <a:off x="10578" y="4058"/>
+              <a:ext cx="207" cy="304"/>
+            </a:xfrm>
+            <a:prstGeom prst="straightConnector1">
+              <a:avLst/>
+            </a:prstGeom>
+            <a:solidFill>
+              <a:schemeClr val="accent6">
+                <a:lumMod val="40000"/>
+                <a:lumOff val="60000"/>
+              </a:schemeClr>
+            </a:solidFill>
+            <a:ln w="12700">
+              <a:solidFill>
+                <a:schemeClr val="tx1"/>
+              </a:solidFill>
+              <a:headEnd type="none" w="med" len="med"/>
+              <a:tailEnd type="triangle" w="med" len="med"/>
+            </a:ln>
+          </p:spPr>
+          <p:style>
+            <a:lnRef idx="1">
+              <a:schemeClr val="accent1"/>
+            </a:lnRef>
+            <a:fillRef idx="0">
+              <a:schemeClr val="accent1"/>
+            </a:fillRef>
+            <a:effectRef idx="0">
+              <a:schemeClr val="accent1"/>
+            </a:effectRef>
+            <a:fontRef idx="minor">
+              <a:schemeClr val="tx1"/>
+            </a:fontRef>
+          </p:style>
+        </p:cxnSp>
+        <p:cxnSp>
+          <p:nvCxnSpPr>
+            <p:cNvPr id="77" name="直接箭头连接符 76"/>
+            <p:cNvCxnSpPr>
+              <a:stCxn id="69" idx="0"/>
+              <a:endCxn id="67" idx="5"/>
+            </p:cNvCxnSpPr>
+            <p:nvPr/>
+          </p:nvCxnSpPr>
+          <p:spPr>
+            <a:xfrm flipH="1" flipV="1">
+              <a:off x="10579" y="3534"/>
+              <a:ext cx="206" cy="324"/>
+            </a:xfrm>
+            <a:prstGeom prst="straightConnector1">
+              <a:avLst/>
+            </a:prstGeom>
+            <a:solidFill>
+              <a:schemeClr val="accent6">
+                <a:lumMod val="40000"/>
+                <a:lumOff val="60000"/>
+              </a:schemeClr>
+            </a:solidFill>
+            <a:ln w="12700">
+              <a:solidFill>
+                <a:schemeClr val="tx1"/>
+              </a:solidFill>
+              <a:headEnd type="none" w="med" len="med"/>
+              <a:tailEnd type="triangle" w="med" len="med"/>
+            </a:ln>
+          </p:spPr>
+          <p:style>
+            <a:lnRef idx="1">
+              <a:schemeClr val="accent1"/>
+            </a:lnRef>
+            <a:fillRef idx="0">
+              <a:schemeClr val="accent1"/>
+            </a:fillRef>
+            <a:effectRef idx="0">
+              <a:schemeClr val="accent1"/>
+            </a:effectRef>
+            <a:fontRef idx="minor">
+              <a:schemeClr val="tx1"/>
+            </a:fontRef>
+          </p:style>
+        </p:cxnSp>
+      </p:grpSp>
+      <p:cxnSp>
+        <p:nvCxnSpPr>
+          <p:cNvPr id="25" name="直接箭头连接符 24"/>
+          <p:cNvCxnSpPr>
+            <a:endCxn id="70" idx="3"/>
+          </p:cNvCxnSpPr>
+          <p:nvPr/>
+        </p:nvCxnSpPr>
+        <p:spPr>
+          <a:xfrm flipV="1">
+            <a:off x="9239885" y="4940935"/>
+            <a:ext cx="43815" cy="368935"/>
+          </a:xfrm>
+          <a:prstGeom prst="straightConnector1">
+            <a:avLst/>
+          </a:prstGeom>
+          <a:ln w="12700" cmpd="sng">
+            <a:solidFill>
+              <a:schemeClr val="tx1"/>
+            </a:solidFill>
+            <a:prstDash val="sysDash"/>
+            <a:headEnd type="none" w="med" len="med"/>
+            <a:tailEnd type="arrow" w="med" len="med"/>
+          </a:ln>
+        </p:spPr>
+        <p:style>
+          <a:lnRef idx="1">
+            <a:schemeClr val="accent1"/>
+          </a:lnRef>
+          <a:fillRef idx="0">
+            <a:schemeClr val="accent1"/>
+          </a:fillRef>
+          <a:effectRef idx="0">
+            <a:schemeClr val="accent1"/>
+          </a:effectRef>
+          <a:fontRef idx="minor">
+            <a:schemeClr val="tx1"/>
+          </a:fontRef>
+        </p:style>
+      </p:cxnSp>
+      <p:sp>
+        <p:nvSpPr>
+          <p:cNvPr id="13" name="矩形 12"/>
+          <p:cNvSpPr/>
+          <p:nvPr/>
+        </p:nvSpPr>
+        <p:spPr>
+          <a:xfrm>
+            <a:off x="4860290" y="5100320"/>
+            <a:ext cx="2913380" cy="1310640"/>
+          </a:xfrm>
+          <a:prstGeom prst="rect">
+            <a:avLst/>
+          </a:prstGeom>
+          <a:noFill/>
+          <a:ln w="28575" cmpd="sng">
+            <a:solidFill>
+              <a:schemeClr val="accent6">
+                <a:lumMod val="40000"/>
+                <a:lumOff val="60000"/>
+              </a:schemeClr>
+            </a:solidFill>
+            <a:prstDash val="solid"/>
+          </a:ln>
+          <a:effectLst>
+            <a:glow rad="88900">
+              <a:schemeClr val="accent6">
+                <a:satMod val="175000"/>
+                <a:alpha val="40000"/>
+              </a:schemeClr>
+            </a:glow>
+          </a:effectLst>
+        </p:spPr>
+        <p:style>
+          <a:lnRef idx="2">
+            <a:schemeClr val="accent1">
+              <a:shade val="50000"/>
+            </a:schemeClr>
+          </a:lnRef>
+          <a:fillRef idx="1">
+            <a:schemeClr val="accent1"/>
+          </a:fillRef>
+          <a:effectRef idx="0">
+            <a:schemeClr val="accent1"/>
+          </a:effectRef>
+          <a:fontRef idx="minor">
+            <a:schemeClr val="lt1"/>
+          </a:fontRef>
+        </p:style>
+        <p:txBody>
+          <a:bodyPr rtlCol="0" anchor="ctr"/>
+          <a:p>
+            <a:pPr algn="ctr"/>
+            <a:endParaRPr lang="zh-CN" altLang="en-US" dirty="0">
+              <a:solidFill>
+                <a:schemeClr val="tx1"/>
+              </a:solidFill>
+            </a:endParaRPr>
+          </a:p>
+        </p:txBody>
+      </p:sp>
+    </p:spTree>
+  </p:cSld>
+  <p:clrMapOvr>
+    <a:masterClrMapping/>
+  </p:clrMapOvr>
+  <p:timing>
+    <p:tnLst>
+      <p:par>
+        <p:cTn id="1" dur="indefinite" restart="never" nodeType="tmRoot"/>
+      </p:par>
+    </p:tnLst>
+  </p:timing>
+</p:sld>
+</file>
+
+<file path=ppt/slides/slide19.xml><?xml version="1.0" encoding="utf-8"?>
 <p:sld xmlns:a="http://schemas.openxmlformats.org/drawingml/2006/main" xmlns:r="http://schemas.openxmlformats.org/officeDocument/2006/relationships" xmlns:p="http://schemas.openxmlformats.org/presentationml/2006/main">
   <p:cSld>
     <p:spTree>
@@ -19602,307 +21715,6 @@
 </p:sld>
 </file>
 
-<file path=ppt/slides/slide19.xml><?xml version="1.0" encoding="utf-8"?>
-<p:sld xmlns:a="http://schemas.openxmlformats.org/drawingml/2006/main" xmlns:r="http://schemas.openxmlformats.org/officeDocument/2006/relationships" xmlns:p="http://schemas.openxmlformats.org/presentationml/2006/main">
-  <p:cSld>
-    <p:spTree>
-      <p:nvGrpSpPr>
-        <p:cNvPr id="1" name=""/>
-        <p:cNvGrpSpPr/>
-        <p:nvPr/>
-      </p:nvGrpSpPr>
-      <p:grpSpPr/>
-      <p:sp>
-        <p:nvSpPr>
-          <p:cNvPr id="2" name="标题 1"/>
-          <p:cNvSpPr>
-            <a:spLocks noGrp="1"/>
-          </p:cNvSpPr>
-          <p:nvPr>
-            <p:ph type="title"/>
-          </p:nvPr>
-        </p:nvSpPr>
-        <p:spPr/>
-        <p:txBody>
-          <a:bodyPr/>
-          <a:p>
-            <a:r>
-              <a:rPr lang="en-US" altLang="zh-CN"/>
-              <a:t>I</a:t>
-            </a:r>
-            <a:r>
-              <a:rPr lang="en-US" altLang="zh-CN"/>
-              <a:t>dea</a:t>
-            </a:r>
-            <a:endParaRPr lang="en-US" altLang="zh-CN"/>
-          </a:p>
-        </p:txBody>
-      </p:sp>
-      <p:sp>
-        <p:nvSpPr>
-          <p:cNvPr id="3" name="内容占位符 2"/>
-          <p:cNvSpPr>
-            <a:spLocks noGrp="1"/>
-          </p:cNvSpPr>
-          <p:nvPr>
-            <p:ph idx="1"/>
-          </p:nvPr>
-        </p:nvSpPr>
-        <p:spPr>
-          <a:xfrm>
-            <a:off x="850900" y="1361812"/>
-            <a:ext cx="10515600" cy="4796737"/>
-          </a:xfrm>
-        </p:spPr>
-        <p:txBody>
-          <a:bodyPr/>
-          <a:p>
-            <a:r>
-              <a:rPr lang="en-US" altLang="zh-CN"/>
-              <a:t> Multistage shuffle</a:t>
-            </a:r>
-            <a:endParaRPr lang="en-US" altLang="zh-CN"/>
-          </a:p>
-          <a:p>
-            <a:pPr lvl="1"/>
-            <a:r>
-              <a:rPr lang="en-US" altLang="zh-CN"/>
-              <a:t> </a:t>
-            </a:r>
-            <a:r>
-              <a:rPr lang="en-US" altLang="zh-CN">
-                <a:latin typeface="等线" panose="02010600030101010101" charset="-122"/>
-                <a:ea typeface="等线" panose="02010600030101010101" charset="-122"/>
-              </a:rPr>
-              <a:t>C</a:t>
-            </a:r>
-            <a:r>
-              <a:rPr lang="en-US" altLang="zh-CN">
-                <a:latin typeface="等线" panose="02010600030101010101" charset="-122"/>
-                <a:ea typeface="等线" panose="02010600030101010101" charset="-122"/>
-              </a:rPr>
-              <a:t>ombining stage reads  a subset of input objects and produces a single combined output</a:t>
-            </a:r>
-            <a:endParaRPr lang="en-US" altLang="zh-CN"/>
-          </a:p>
-          <a:p>
-            <a:pPr lvl="1"/>
-            <a:r>
-              <a:rPr lang="en-US" altLang="zh-CN">
-                <a:latin typeface="等线" panose="02010600030101010101" charset="-122"/>
-                <a:ea typeface="等线" panose="02010600030101010101" charset="-122"/>
-              </a:rPr>
-              <a:t>Tradeoff between compute time </a:t>
-            </a:r>
-            <a:r>
-              <a:rPr lang="en-US" altLang="zh-CN">
-                <a:latin typeface="等线" panose="02010600030101010101" charset="-122"/>
-                <a:ea typeface="等线" panose="02010600030101010101" charset="-122"/>
-              </a:rPr>
-              <a:t>and object storage request costs </a:t>
-            </a:r>
-            <a:endParaRPr lang="en-US" altLang="zh-CN">
-              <a:latin typeface="等线" panose="02010600030101010101" charset="-122"/>
-              <a:ea typeface="等线" panose="02010600030101010101" charset="-122"/>
-            </a:endParaRPr>
-          </a:p>
-          <a:p>
-            <a:pPr lvl="2"/>
-            <a:r>
-              <a:rPr lang="en-US" altLang="zh-CN">
-                <a:latin typeface="等线" panose="02010600030101010101" charset="-122"/>
-                <a:ea typeface="等线" panose="02010600030101010101" charset="-122"/>
-              </a:rPr>
-              <a:t> </a:t>
-            </a:r>
-            <a:r>
-              <a:rPr lang="zh-CN" altLang="en-US">
-                <a:latin typeface="等线" panose="02010600030101010101" charset="-122"/>
-                <a:ea typeface="等线" panose="02010600030101010101" charset="-122"/>
-                <a:sym typeface="+mn-ea"/>
-              </a:rPr>
-              <a:t>读写请求数变少</a:t>
-            </a:r>
-            <a:endParaRPr lang="zh-CN" altLang="en-US">
-              <a:latin typeface="等线" panose="02010600030101010101" charset="-122"/>
-              <a:ea typeface="等线" panose="02010600030101010101" charset="-122"/>
-              <a:sym typeface="+mn-ea"/>
-            </a:endParaRPr>
-          </a:p>
-          <a:p>
-            <a:pPr lvl="2"/>
-            <a:r>
-              <a:rPr lang="zh-CN" altLang="en-US">
-                <a:latin typeface="等线" panose="02010600030101010101" charset="-122"/>
-                <a:ea typeface="等线" panose="02010600030101010101" charset="-122"/>
-                <a:sym typeface="+mn-ea"/>
-              </a:rPr>
-              <a:t> 读写数据量变多</a:t>
-            </a:r>
-            <a:endParaRPr lang="en-US" altLang="zh-CN">
-              <a:latin typeface="等线" panose="02010600030101010101" charset="-122"/>
-              <a:ea typeface="等线" panose="02010600030101010101" charset="-122"/>
-            </a:endParaRPr>
-          </a:p>
-          <a:p>
-            <a:pPr lvl="3"/>
-            <a:endParaRPr lang="zh-CN" altLang="en-US">
-              <a:solidFill>
-                <a:schemeClr val="tx1"/>
-              </a:solidFill>
-              <a:latin typeface="等线" panose="02010600030101010101" charset="-122"/>
-              <a:ea typeface="等线" panose="02010600030101010101" charset="-122"/>
-            </a:endParaRPr>
-          </a:p>
-        </p:txBody>
-      </p:sp>
-      <p:sp>
-        <p:nvSpPr>
-          <p:cNvPr id="5" name="文本框 4"/>
-          <p:cNvSpPr txBox="1"/>
-          <p:nvPr/>
-        </p:nvSpPr>
-        <p:spPr>
-          <a:xfrm>
-            <a:off x="0" y="6489700"/>
-            <a:ext cx="10696575" cy="368300"/>
-          </a:xfrm>
-          <a:prstGeom prst="rect">
-            <a:avLst/>
-          </a:prstGeom>
-          <a:noFill/>
-        </p:spPr>
-        <p:txBody>
-          <a:bodyPr wrap="square" rtlCol="0">
-            <a:spAutoFit/>
-          </a:bodyPr>
-          <a:p>
-            <a:r>
-              <a:rPr lang="zh-CN" altLang="en-US">
-                <a:solidFill>
-                  <a:schemeClr val="bg2">
-                    <a:lumMod val="50000"/>
-                  </a:schemeClr>
-                </a:solidFill>
-              </a:rPr>
-              <a:t>[</a:t>
-            </a:r>
-            <a:r>
-              <a:rPr lang="en-US" altLang="zh-CN">
-                <a:solidFill>
-                  <a:schemeClr val="bg2">
-                    <a:lumMod val="50000"/>
-                  </a:schemeClr>
-                </a:solidFill>
-              </a:rPr>
-              <a:t>1</a:t>
-            </a:r>
-            <a:r>
-              <a:rPr lang="zh-CN" altLang="en-US">
-                <a:solidFill>
-                  <a:schemeClr val="bg2">
-                    <a:lumMod val="50000"/>
-                  </a:schemeClr>
-                </a:solidFill>
-              </a:rPr>
-              <a:t>] </a:t>
-            </a:r>
-            <a:r>
-              <a:rPr lang="en-US" altLang="zh-CN">
-                <a:solidFill>
-                  <a:schemeClr val="bg2">
-                    <a:lumMod val="50000"/>
-                  </a:schemeClr>
-                </a:solidFill>
-                <a:sym typeface="+mn-ea"/>
-              </a:rPr>
-              <a:t>Starling: A Scalable Query Engine on Cloud Functions SIGMOD’20</a:t>
-            </a:r>
-            <a:endParaRPr lang="en-US" altLang="zh-CN">
-              <a:solidFill>
-                <a:schemeClr val="bg2">
-                  <a:lumMod val="50000"/>
-                </a:schemeClr>
-              </a:solidFill>
-              <a:sym typeface="+mn-ea"/>
-            </a:endParaRPr>
-          </a:p>
-        </p:txBody>
-      </p:sp>
-      <p:pic>
-        <p:nvPicPr>
-          <p:cNvPr id="4" name="图片 3"/>
-          <p:cNvPicPr>
-            <a:picLocks noChangeAspect="1"/>
-          </p:cNvPicPr>
-          <p:nvPr/>
-        </p:nvPicPr>
-        <p:blipFill>
-          <a:blip r:embed="rId1"/>
-          <a:stretch>
-            <a:fillRect/>
-          </a:stretch>
-        </p:blipFill>
-        <p:spPr>
-          <a:xfrm>
-            <a:off x="4261485" y="3202305"/>
-            <a:ext cx="3669030" cy="2853690"/>
-          </a:xfrm>
-          <a:prstGeom prst="rect">
-            <a:avLst/>
-          </a:prstGeom>
-        </p:spPr>
-      </p:pic>
-      <p:sp>
-        <p:nvSpPr>
-          <p:cNvPr id="6" name="文本框 5"/>
-          <p:cNvSpPr txBox="1"/>
-          <p:nvPr/>
-        </p:nvSpPr>
-        <p:spPr>
-          <a:xfrm>
-            <a:off x="4830445" y="6158865"/>
-            <a:ext cx="2531110" cy="398780"/>
-          </a:xfrm>
-          <a:prstGeom prst="rect">
-            <a:avLst/>
-          </a:prstGeom>
-          <a:noFill/>
-        </p:spPr>
-        <p:txBody>
-          <a:bodyPr wrap="square" rtlCol="0">
-            <a:spAutoFit/>
-          </a:bodyPr>
-          <a:p>
-            <a:r>
-              <a:rPr lang="en-US" altLang="zh-CN" sz="2000" b="1">
-                <a:latin typeface="微软雅黑" panose="020B0503020204020204" charset="-122"/>
-                <a:ea typeface="微软雅黑" panose="020B0503020204020204" charset="-122"/>
-              </a:rPr>
-              <a:t>M</a:t>
-            </a:r>
-            <a:r>
-              <a:rPr lang="zh-CN" altLang="en-US" sz="2000" b="1">
-                <a:latin typeface="微软雅黑" panose="020B0503020204020204" charset="-122"/>
-                <a:ea typeface="微软雅黑" panose="020B0503020204020204" charset="-122"/>
-              </a:rPr>
-              <a:t>ultistage shuffle</a:t>
-            </a:r>
-            <a:endParaRPr lang="zh-CN" altLang="en-US" sz="2000" b="1">
-              <a:latin typeface="微软雅黑" panose="020B0503020204020204" charset="-122"/>
-              <a:ea typeface="微软雅黑" panose="020B0503020204020204" charset="-122"/>
-            </a:endParaRPr>
-          </a:p>
-        </p:txBody>
-      </p:sp>
-    </p:spTree>
-  </p:cSld>
-  <p:clrMapOvr>
-    <a:masterClrMapping/>
-  </p:clrMapOvr>
-</p:sld>
-</file>
-
 <file path=ppt/slides/slide2.xml><?xml version="1.0" encoding="utf-8"?>
 <p:sld xmlns:a="http://schemas.openxmlformats.org/drawingml/2006/main" xmlns:r="http://schemas.openxmlformats.org/officeDocument/2006/relationships" xmlns:p="http://schemas.openxmlformats.org/presentationml/2006/main">
   <p:cSld>
@@ -20440,6 +22252,307 @@
 </file>
 
 <file path=ppt/slides/slide20.xml><?xml version="1.0" encoding="utf-8"?>
+<p:sld xmlns:a="http://schemas.openxmlformats.org/drawingml/2006/main" xmlns:r="http://schemas.openxmlformats.org/officeDocument/2006/relationships" xmlns:p="http://schemas.openxmlformats.org/presentationml/2006/main">
+  <p:cSld>
+    <p:spTree>
+      <p:nvGrpSpPr>
+        <p:cNvPr id="1" name=""/>
+        <p:cNvGrpSpPr/>
+        <p:nvPr/>
+      </p:nvGrpSpPr>
+      <p:grpSpPr/>
+      <p:sp>
+        <p:nvSpPr>
+          <p:cNvPr id="2" name="标题 1"/>
+          <p:cNvSpPr>
+            <a:spLocks noGrp="1"/>
+          </p:cNvSpPr>
+          <p:nvPr>
+            <p:ph type="title"/>
+          </p:nvPr>
+        </p:nvSpPr>
+        <p:spPr/>
+        <p:txBody>
+          <a:bodyPr/>
+          <a:p>
+            <a:r>
+              <a:rPr lang="en-US" altLang="zh-CN"/>
+              <a:t>I</a:t>
+            </a:r>
+            <a:r>
+              <a:rPr lang="en-US" altLang="zh-CN"/>
+              <a:t>dea</a:t>
+            </a:r>
+            <a:endParaRPr lang="en-US" altLang="zh-CN"/>
+          </a:p>
+        </p:txBody>
+      </p:sp>
+      <p:sp>
+        <p:nvSpPr>
+          <p:cNvPr id="3" name="内容占位符 2"/>
+          <p:cNvSpPr>
+            <a:spLocks noGrp="1"/>
+          </p:cNvSpPr>
+          <p:nvPr>
+            <p:ph idx="1"/>
+          </p:nvPr>
+        </p:nvSpPr>
+        <p:spPr>
+          <a:xfrm>
+            <a:off x="850900" y="1361812"/>
+            <a:ext cx="10515600" cy="4796737"/>
+          </a:xfrm>
+        </p:spPr>
+        <p:txBody>
+          <a:bodyPr/>
+          <a:p>
+            <a:r>
+              <a:rPr lang="en-US" altLang="zh-CN"/>
+              <a:t> Multistage shuffle</a:t>
+            </a:r>
+            <a:endParaRPr lang="en-US" altLang="zh-CN"/>
+          </a:p>
+          <a:p>
+            <a:pPr lvl="1"/>
+            <a:r>
+              <a:rPr lang="en-US" altLang="zh-CN"/>
+              <a:t> </a:t>
+            </a:r>
+            <a:r>
+              <a:rPr lang="en-US" altLang="zh-CN">
+                <a:latin typeface="等线" panose="02010600030101010101" charset="-122"/>
+                <a:ea typeface="等线" panose="02010600030101010101" charset="-122"/>
+              </a:rPr>
+              <a:t>C</a:t>
+            </a:r>
+            <a:r>
+              <a:rPr lang="en-US" altLang="zh-CN">
+                <a:latin typeface="等线" panose="02010600030101010101" charset="-122"/>
+                <a:ea typeface="等线" panose="02010600030101010101" charset="-122"/>
+              </a:rPr>
+              <a:t>ombining stage reads  a subset of input objects and produces a single combined output</a:t>
+            </a:r>
+            <a:endParaRPr lang="en-US" altLang="zh-CN"/>
+          </a:p>
+          <a:p>
+            <a:pPr lvl="1"/>
+            <a:r>
+              <a:rPr lang="en-US" altLang="zh-CN">
+                <a:latin typeface="等线" panose="02010600030101010101" charset="-122"/>
+                <a:ea typeface="等线" panose="02010600030101010101" charset="-122"/>
+              </a:rPr>
+              <a:t>Tradeoff between compute time </a:t>
+            </a:r>
+            <a:r>
+              <a:rPr lang="en-US" altLang="zh-CN">
+                <a:latin typeface="等线" panose="02010600030101010101" charset="-122"/>
+                <a:ea typeface="等线" panose="02010600030101010101" charset="-122"/>
+              </a:rPr>
+              <a:t>and object storage request costs </a:t>
+            </a:r>
+            <a:endParaRPr lang="en-US" altLang="zh-CN">
+              <a:latin typeface="等线" panose="02010600030101010101" charset="-122"/>
+              <a:ea typeface="等线" panose="02010600030101010101" charset="-122"/>
+            </a:endParaRPr>
+          </a:p>
+          <a:p>
+            <a:pPr lvl="2"/>
+            <a:r>
+              <a:rPr lang="en-US" altLang="zh-CN">
+                <a:latin typeface="等线" panose="02010600030101010101" charset="-122"/>
+                <a:ea typeface="等线" panose="02010600030101010101" charset="-122"/>
+              </a:rPr>
+              <a:t> </a:t>
+            </a:r>
+            <a:r>
+              <a:rPr lang="zh-CN" altLang="en-US">
+                <a:latin typeface="等线" panose="02010600030101010101" charset="-122"/>
+                <a:ea typeface="等线" panose="02010600030101010101" charset="-122"/>
+                <a:sym typeface="+mn-ea"/>
+              </a:rPr>
+              <a:t>读写请求数变少</a:t>
+            </a:r>
+            <a:endParaRPr lang="zh-CN" altLang="en-US">
+              <a:latin typeface="等线" panose="02010600030101010101" charset="-122"/>
+              <a:ea typeface="等线" panose="02010600030101010101" charset="-122"/>
+              <a:sym typeface="+mn-ea"/>
+            </a:endParaRPr>
+          </a:p>
+          <a:p>
+            <a:pPr lvl="2"/>
+            <a:r>
+              <a:rPr lang="zh-CN" altLang="en-US">
+                <a:latin typeface="等线" panose="02010600030101010101" charset="-122"/>
+                <a:ea typeface="等线" panose="02010600030101010101" charset="-122"/>
+                <a:sym typeface="+mn-ea"/>
+              </a:rPr>
+              <a:t> 读写数据量变多</a:t>
+            </a:r>
+            <a:endParaRPr lang="en-US" altLang="zh-CN">
+              <a:latin typeface="等线" panose="02010600030101010101" charset="-122"/>
+              <a:ea typeface="等线" panose="02010600030101010101" charset="-122"/>
+            </a:endParaRPr>
+          </a:p>
+          <a:p>
+            <a:pPr lvl="3"/>
+            <a:endParaRPr lang="zh-CN" altLang="en-US">
+              <a:solidFill>
+                <a:schemeClr val="tx1"/>
+              </a:solidFill>
+              <a:latin typeface="等线" panose="02010600030101010101" charset="-122"/>
+              <a:ea typeface="等线" panose="02010600030101010101" charset="-122"/>
+            </a:endParaRPr>
+          </a:p>
+        </p:txBody>
+      </p:sp>
+      <p:sp>
+        <p:nvSpPr>
+          <p:cNvPr id="5" name="文本框 4"/>
+          <p:cNvSpPr txBox="1"/>
+          <p:nvPr/>
+        </p:nvSpPr>
+        <p:spPr>
+          <a:xfrm>
+            <a:off x="0" y="6489700"/>
+            <a:ext cx="10696575" cy="368300"/>
+          </a:xfrm>
+          <a:prstGeom prst="rect">
+            <a:avLst/>
+          </a:prstGeom>
+          <a:noFill/>
+        </p:spPr>
+        <p:txBody>
+          <a:bodyPr wrap="square" rtlCol="0">
+            <a:spAutoFit/>
+          </a:bodyPr>
+          <a:p>
+            <a:r>
+              <a:rPr lang="zh-CN" altLang="en-US">
+                <a:solidFill>
+                  <a:schemeClr val="bg2">
+                    <a:lumMod val="50000"/>
+                  </a:schemeClr>
+                </a:solidFill>
+              </a:rPr>
+              <a:t>[</a:t>
+            </a:r>
+            <a:r>
+              <a:rPr lang="en-US" altLang="zh-CN">
+                <a:solidFill>
+                  <a:schemeClr val="bg2">
+                    <a:lumMod val="50000"/>
+                  </a:schemeClr>
+                </a:solidFill>
+              </a:rPr>
+              <a:t>1</a:t>
+            </a:r>
+            <a:r>
+              <a:rPr lang="zh-CN" altLang="en-US">
+                <a:solidFill>
+                  <a:schemeClr val="bg2">
+                    <a:lumMod val="50000"/>
+                  </a:schemeClr>
+                </a:solidFill>
+              </a:rPr>
+              <a:t>] </a:t>
+            </a:r>
+            <a:r>
+              <a:rPr lang="en-US" altLang="zh-CN">
+                <a:solidFill>
+                  <a:schemeClr val="bg2">
+                    <a:lumMod val="50000"/>
+                  </a:schemeClr>
+                </a:solidFill>
+                <a:sym typeface="+mn-ea"/>
+              </a:rPr>
+              <a:t>Starling: A Scalable Query Engine on Cloud Functions SIGMOD’20</a:t>
+            </a:r>
+            <a:endParaRPr lang="en-US" altLang="zh-CN">
+              <a:solidFill>
+                <a:schemeClr val="bg2">
+                  <a:lumMod val="50000"/>
+                </a:schemeClr>
+              </a:solidFill>
+              <a:sym typeface="+mn-ea"/>
+            </a:endParaRPr>
+          </a:p>
+        </p:txBody>
+      </p:sp>
+      <p:pic>
+        <p:nvPicPr>
+          <p:cNvPr id="4" name="图片 3"/>
+          <p:cNvPicPr>
+            <a:picLocks noChangeAspect="1"/>
+          </p:cNvPicPr>
+          <p:nvPr/>
+        </p:nvPicPr>
+        <p:blipFill>
+          <a:blip r:embed="rId1"/>
+          <a:stretch>
+            <a:fillRect/>
+          </a:stretch>
+        </p:blipFill>
+        <p:spPr>
+          <a:xfrm>
+            <a:off x="4261485" y="3202305"/>
+            <a:ext cx="3669030" cy="2853690"/>
+          </a:xfrm>
+          <a:prstGeom prst="rect">
+            <a:avLst/>
+          </a:prstGeom>
+        </p:spPr>
+      </p:pic>
+      <p:sp>
+        <p:nvSpPr>
+          <p:cNvPr id="6" name="文本框 5"/>
+          <p:cNvSpPr txBox="1"/>
+          <p:nvPr/>
+        </p:nvSpPr>
+        <p:spPr>
+          <a:xfrm>
+            <a:off x="4830445" y="6158865"/>
+            <a:ext cx="2531110" cy="398780"/>
+          </a:xfrm>
+          <a:prstGeom prst="rect">
+            <a:avLst/>
+          </a:prstGeom>
+          <a:noFill/>
+        </p:spPr>
+        <p:txBody>
+          <a:bodyPr wrap="square" rtlCol="0">
+            <a:spAutoFit/>
+          </a:bodyPr>
+          <a:p>
+            <a:r>
+              <a:rPr lang="en-US" altLang="zh-CN" sz="2000" b="1">
+                <a:latin typeface="微软雅黑" panose="020B0503020204020204" charset="-122"/>
+                <a:ea typeface="微软雅黑" panose="020B0503020204020204" charset="-122"/>
+              </a:rPr>
+              <a:t>M</a:t>
+            </a:r>
+            <a:r>
+              <a:rPr lang="zh-CN" altLang="en-US" sz="2000" b="1">
+                <a:latin typeface="微软雅黑" panose="020B0503020204020204" charset="-122"/>
+                <a:ea typeface="微软雅黑" panose="020B0503020204020204" charset="-122"/>
+              </a:rPr>
+              <a:t>ultistage shuffle</a:t>
+            </a:r>
+            <a:endParaRPr lang="zh-CN" altLang="en-US" sz="2000" b="1">
+              <a:latin typeface="微软雅黑" panose="020B0503020204020204" charset="-122"/>
+              <a:ea typeface="微软雅黑" panose="020B0503020204020204" charset="-122"/>
+            </a:endParaRPr>
+          </a:p>
+        </p:txBody>
+      </p:sp>
+    </p:spTree>
+  </p:cSld>
+  <p:clrMapOvr>
+    <a:masterClrMapping/>
+  </p:clrMapOvr>
+</p:sld>
+</file>
+
+<file path=ppt/slides/slide21.xml><?xml version="1.0" encoding="utf-8"?>
 <p:sld xmlns:a="http://schemas.openxmlformats.org/drawingml/2006/main" xmlns:r="http://schemas.openxmlformats.org/officeDocument/2006/relationships" xmlns:p="http://schemas.openxmlformats.org/presentationml/2006/main">
   <p:cSld>
     <p:spTree>
@@ -26000,7 +28113,7 @@
 </p:sld>
 </file>
 
-<file path=ppt/slides/slide21.xml><?xml version="1.0" encoding="utf-8"?>
+<file path=ppt/slides/slide22.xml><?xml version="1.0" encoding="utf-8"?>
 <p:sld xmlns:a="http://schemas.openxmlformats.org/drawingml/2006/main" xmlns:r="http://schemas.openxmlformats.org/officeDocument/2006/relationships" xmlns:p="http://schemas.openxmlformats.org/presentationml/2006/main">
   <p:cSld>
     <p:spTree>
@@ -26233,7 +28346,7 @@
 </p:sld>
 </file>
 
-<file path=ppt/slides/slide22.xml><?xml version="1.0" encoding="utf-8"?>
+<file path=ppt/slides/slide23.xml><?xml version="1.0" encoding="utf-8"?>
 <p:sld xmlns:a="http://schemas.openxmlformats.org/drawingml/2006/main" xmlns:r="http://schemas.openxmlformats.org/officeDocument/2006/relationships" xmlns:p="http://schemas.openxmlformats.org/presentationml/2006/main">
   <p:cSld>
     <p:spTree>
@@ -28580,11 +30693,190 @@
           </a:p>
         </p:txBody>
       </p:sp>
+      <p:sp>
+        <p:nvSpPr>
+          <p:cNvPr id="4" name="矩形 3"/>
+          <p:cNvSpPr/>
+          <p:nvPr/>
+        </p:nvSpPr>
+        <p:spPr>
+          <a:xfrm>
+            <a:off x="4884420" y="3832225"/>
+            <a:ext cx="1612900" cy="770890"/>
+          </a:xfrm>
+          <a:prstGeom prst="rect">
+            <a:avLst/>
+          </a:prstGeom>
+          <a:noFill/>
+          <a:ln w="28575" cmpd="sng">
+            <a:solidFill>
+              <a:schemeClr val="accent6">
+                <a:lumMod val="40000"/>
+                <a:lumOff val="60000"/>
+              </a:schemeClr>
+            </a:solidFill>
+            <a:prstDash val="solid"/>
+          </a:ln>
+          <a:effectLst>
+            <a:glow rad="88900">
+              <a:schemeClr val="accent6">
+                <a:satMod val="175000"/>
+                <a:alpha val="40000"/>
+              </a:schemeClr>
+            </a:glow>
+          </a:effectLst>
+        </p:spPr>
+        <p:style>
+          <a:lnRef idx="2">
+            <a:schemeClr val="accent1">
+              <a:shade val="50000"/>
+            </a:schemeClr>
+          </a:lnRef>
+          <a:fillRef idx="1">
+            <a:schemeClr val="accent1"/>
+          </a:fillRef>
+          <a:effectRef idx="0">
+            <a:schemeClr val="accent1"/>
+          </a:effectRef>
+          <a:fontRef idx="minor">
+            <a:schemeClr val="lt1"/>
+          </a:fontRef>
+        </p:style>
+        <p:txBody>
+          <a:bodyPr rtlCol="0" anchor="ctr"/>
+          <a:p>
+            <a:pPr algn="ctr"/>
+            <a:endParaRPr lang="zh-CN" altLang="en-US" dirty="0">
+              <a:solidFill>
+                <a:schemeClr val="tx1"/>
+              </a:solidFill>
+            </a:endParaRPr>
+          </a:p>
+        </p:txBody>
+      </p:sp>
     </p:spTree>
   </p:cSld>
   <p:clrMapOvr>
     <a:masterClrMapping/>
   </p:clrMapOvr>
+  <p:timing>
+    <p:tnLst>
+      <p:par>
+        <p:cTn id="1" dur="indefinite" restart="never" nodeType="tmRoot">
+          <p:childTnLst>
+            <p:seq concurrent="1" nextAc="seek">
+              <p:cTn id="2" dur="indefinite" nodeType="mainSeq">
+                <p:childTnLst>
+                  <p:par>
+                    <p:cTn id="3" fill="hold">
+                      <p:stCondLst>
+                        <p:cond delay="indefinite"/>
+                      </p:stCondLst>
+                      <p:childTnLst>
+                        <p:par>
+                          <p:cTn id="4" fill="hold">
+                            <p:stCondLst>
+                              <p:cond delay="0"/>
+                            </p:stCondLst>
+                            <p:childTnLst>
+                              <p:par>
+                                <p:cTn id="5" presetID="1" presetClass="entr" presetSubtype="0" fill="hold" grpId="5" nodeType="clickEffect">
+                                  <p:stCondLst>
+                                    <p:cond delay="0"/>
+                                  </p:stCondLst>
+                                  <p:childTnLst>
+                                    <p:set>
+                                      <p:cBhvr>
+                                        <p:cTn id="6" dur="1" fill="hold">
+                                          <p:stCondLst>
+                                            <p:cond delay="0"/>
+                                          </p:stCondLst>
+                                        </p:cTn>
+                                        <p:tgtEl>
+                                          <p:spTgt spid="4"/>
+                                        </p:tgtEl>
+                                        <p:attrNameLst>
+                                          <p:attrName>style.visibility</p:attrName>
+                                        </p:attrNameLst>
+                                      </p:cBhvr>
+                                      <p:to>
+                                        <p:strVal val="visible"/>
+                                      </p:to>
+                                    </p:set>
+                                  </p:childTnLst>
+                                </p:cTn>
+                              </p:par>
+                            </p:childTnLst>
+                          </p:cTn>
+                        </p:par>
+                      </p:childTnLst>
+                    </p:cTn>
+                  </p:par>
+                  <p:par>
+                    <p:cTn id="7" fill="hold">
+                      <p:stCondLst>
+                        <p:cond delay="indefinite"/>
+                      </p:stCondLst>
+                      <p:childTnLst>
+                        <p:par>
+                          <p:cTn id="8" fill="hold">
+                            <p:stCondLst>
+                              <p:cond delay="0"/>
+                            </p:stCondLst>
+                            <p:childTnLst>
+                              <p:par>
+                                <p:cTn id="9" presetID="0" presetClass="path" presetSubtype="0" accel="50000" decel="50000" fill="hold" grpId="6" nodeType="clickEffect">
+                                  <p:stCondLst>
+                                    <p:cond delay="0"/>
+                                  </p:stCondLst>
+                                  <p:childTnLst>
+                                    <p:animMotion origin="layout" path="M 0 0 L -0.000833333 0.233704 " pathEditMode="relative" ptsTypes="">
+                                      <p:cBhvr>
+                                        <p:cTn id="10" dur="500" fill="hold"/>
+                                        <p:tgtEl>
+                                          <p:spTgt spid="4"/>
+                                        </p:tgtEl>
+                                        <p:attrNameLst>
+                                          <p:attrName>ppt_x</p:attrName>
+                                          <p:attrName>ppt_y</p:attrName>
+                                        </p:attrNameLst>
+                                      </p:cBhvr>
+                                    </p:animMotion>
+                                  </p:childTnLst>
+                                </p:cTn>
+                              </p:par>
+                            </p:childTnLst>
+                          </p:cTn>
+                        </p:par>
+                      </p:childTnLst>
+                    </p:cTn>
+                  </p:par>
+                </p:childTnLst>
+              </p:cTn>
+              <p:prevCondLst>
+                <p:cond evt="onPrev" delay="0">
+                  <p:tgtEl>
+                    <p:sldTgt/>
+                  </p:tgtEl>
+                </p:cond>
+              </p:prevCondLst>
+              <p:nextCondLst>
+                <p:cond evt="onNext" delay="0">
+                  <p:tgtEl>
+                    <p:sldTgt/>
+                  </p:tgtEl>
+                </p:cond>
+              </p:nextCondLst>
+            </p:seq>
+          </p:childTnLst>
+        </p:cTn>
+      </p:par>
+    </p:tnLst>
+    <p:bldLst>
+      <p:bldP spid="4" grpId="5" bldLvl="0" animBg="1"/>
+      <p:bldP spid="4" grpId="6" animBg="1"/>
+    </p:bldLst>
+  </p:timing>
 </p:sld>
 </file>
 
